--- a/SMEP_2024.pptx
+++ b/SMEP_2024.pptx
@@ -215,7 +215,7 @@
           <a:p>
             <a:fld id="{1C830E4C-56B7-2443-B370-610F8D1BCD9C}" type="datetimeFigureOut">
               <a:rPr lang="en-US" smtClean="0"/>
-              <a:t>10/4/2024</a:t>
+              <a:t>10/5/2024</a:t>
             </a:fld>
             <a:endParaRPr lang="en-US" dirty="0"/>
           </a:p>
@@ -392,7 +392,7 @@
           <a:p>
             <a:fld id="{CBCD2FD1-B169-9B41-A890-0ECD81C3476C}" type="datetimeFigureOut">
               <a:rPr lang="en-US" smtClean="0"/>
-              <a:t>10/4/2024</a:t>
+              <a:t>10/5/2024</a:t>
             </a:fld>
             <a:endParaRPr lang="en-US" dirty="0"/>
           </a:p>
@@ -3054,36 +3054,6 @@
           </a:prstGeom>
         </p:spPr>
       </p:pic>
-      <p:pic>
-        <p:nvPicPr>
-          <p:cNvPr id="23" name="Picture 22">
-            <a:extLst>
-              <a:ext uri="{FF2B5EF4-FFF2-40B4-BE49-F238E27FC236}">
-                <a16:creationId xmlns:a16="http://schemas.microsoft.com/office/drawing/2014/main" id="{0BBE7D26-2A33-9F66-6F3E-6AA91C76523F}"/>
-              </a:ext>
-            </a:extLst>
-          </p:cNvPr>
-          <p:cNvPicPr>
-            <a:picLocks noChangeAspect="1"/>
-          </p:cNvPicPr>
-          <p:nvPr/>
-        </p:nvPicPr>
-        <p:blipFill>
-          <a:blip r:embed="rId9"/>
-          <a:stretch>
-            <a:fillRect/>
-          </a:stretch>
-        </p:blipFill>
-        <p:spPr>
-          <a:xfrm>
-            <a:off x="1924699" y="11382109"/>
-            <a:ext cx="8619043" cy="3508779"/>
-          </a:xfrm>
-          <a:prstGeom prst="rect">
-            <a:avLst/>
-          </a:prstGeom>
-        </p:spPr>
-      </p:pic>
       <p:sp>
         <p:nvSpPr>
           <p:cNvPr id="24" name="Text Placeholder 14">
@@ -3569,7 +3539,7 @@
           <p:nvPr/>
         </p:nvPicPr>
         <p:blipFill>
-          <a:blip r:embed="rId10"/>
+          <a:blip r:embed="rId9"/>
           <a:srcRect/>
           <a:stretch/>
         </p:blipFill>
@@ -3598,7 +3568,7 @@
           <p:nvPr/>
         </p:nvPicPr>
         <p:blipFill>
-          <a:blip r:embed="rId11"/>
+          <a:blip r:embed="rId10"/>
           <a:stretch>
             <a:fillRect/>
           </a:stretch>
@@ -8286,8 +8256,8 @@
           </p:graphicFrame>
         </mc:Fallback>
       </mc:AlternateContent>
-      <mc:AlternateContent xmlns:mc="http://schemas.openxmlformats.org/markup-compatibility/2006" xmlns:a14="http://schemas.microsoft.com/office/drawing/2010/main">
-        <mc:Choice Requires="a14">
+      <mc:AlternateContent xmlns:mc="http://schemas.openxmlformats.org/markup-compatibility/2006">
+        <mc:Choice xmlns:a14="http://schemas.microsoft.com/office/drawing/2010/main" Requires="a14">
           <p:graphicFrame>
             <p:nvGraphicFramePr>
               <p:cNvPr id="49" name="Data Table " descr="This table is a placeholder. Please add your own alt text. ">
@@ -8303,7 +8273,7 @@
               <p:nvPr>
                 <p:extLst>
                   <p:ext uri="{D42A27DB-BD31-4B8C-83A1-F6EECF244321}">
-                    <p14:modId xmlns:p14="http://schemas.microsoft.com/office/powerpoint/2010/main" val="2345006206"/>
+                    <p14:modId xmlns:p14="http://schemas.microsoft.com/office/powerpoint/2010/main" val="3470495556"/>
                   </p:ext>
                 </p:extLst>
               </p:nvPr>
@@ -9178,7 +9148,7 @@
                               <a:effectLst/>
                               <a:latin typeface="+mn-lt"/>
                             </a:rPr>
-                            <a:t>All Random True/Init</a:t>
+                            <a:t>Random True/Init</a:t>
                           </a:r>
                         </a:p>
                       </a:txBody>
@@ -10670,7 +10640,7 @@
             </a:graphic>
           </p:graphicFrame>
         </mc:Choice>
-        <mc:Fallback xmlns="">
+        <mc:Fallback>
           <p:graphicFrame>
             <p:nvGraphicFramePr>
               <p:cNvPr id="49" name="Data Table " descr="This table is a placeholder. Please add your own alt text. ">
@@ -10686,7 +10656,7 @@
               <p:nvPr>
                 <p:extLst>
                   <p:ext uri="{D42A27DB-BD31-4B8C-83A1-F6EECF244321}">
-                    <p14:modId xmlns:p14="http://schemas.microsoft.com/office/powerpoint/2010/main" val="2345006206"/>
+                    <p14:modId xmlns:p14="http://schemas.microsoft.com/office/powerpoint/2010/main" val="3470495556"/>
                   </p:ext>
                 </p:extLst>
               </p:nvPr>
@@ -11488,7 +11458,7 @@
                               <a:effectLst/>
                               <a:latin typeface="+mn-lt"/>
                             </a:rPr>
-                            <a:t>All Random True/Init</a:t>
+                            <a:t>Random True/Init</a:t>
                           </a:r>
                         </a:p>
                       </a:txBody>
@@ -13085,6 +13055,64 @@
           </a:p>
         </p:txBody>
       </p:sp>
+      <p:pic>
+        <p:nvPicPr>
+          <p:cNvPr id="3" name="Picture 2">
+            <a:extLst>
+              <a:ext uri="{FF2B5EF4-FFF2-40B4-BE49-F238E27FC236}">
+                <a16:creationId xmlns:a16="http://schemas.microsoft.com/office/drawing/2014/main" id="{9FB0E367-C0F1-1871-4B6D-1DA2DC1C494F}"/>
+              </a:ext>
+            </a:extLst>
+          </p:cNvPr>
+          <p:cNvPicPr>
+            <a:picLocks noChangeAspect="1"/>
+          </p:cNvPicPr>
+          <p:nvPr/>
+        </p:nvPicPr>
+        <p:blipFill>
+          <a:blip r:embed="rId14"/>
+          <a:srcRect/>
+          <a:stretch/>
+        </p:blipFill>
+        <p:spPr>
+          <a:xfrm>
+            <a:off x="2084664" y="11096754"/>
+            <a:ext cx="3864239" cy="3062594"/>
+          </a:xfrm>
+          <a:prstGeom prst="rect">
+            <a:avLst/>
+          </a:prstGeom>
+        </p:spPr>
+      </p:pic>
+      <p:pic>
+        <p:nvPicPr>
+          <p:cNvPr id="5" name="Picture 4">
+            <a:extLst>
+              <a:ext uri="{FF2B5EF4-FFF2-40B4-BE49-F238E27FC236}">
+                <a16:creationId xmlns:a16="http://schemas.microsoft.com/office/drawing/2014/main" id="{F9B1FA96-FEF6-5BC0-E202-81A3A3FADE0F}"/>
+              </a:ext>
+            </a:extLst>
+          </p:cNvPr>
+          <p:cNvPicPr>
+            <a:picLocks noChangeAspect="1"/>
+          </p:cNvPicPr>
+          <p:nvPr/>
+        </p:nvPicPr>
+        <p:blipFill>
+          <a:blip r:embed="rId15"/>
+          <a:srcRect/>
+          <a:stretch/>
+        </p:blipFill>
+        <p:spPr>
+          <a:xfrm>
+            <a:off x="6381475" y="11096754"/>
+            <a:ext cx="3711557" cy="2941586"/>
+          </a:xfrm>
+          <a:prstGeom prst="rect">
+            <a:avLst/>
+          </a:prstGeom>
+        </p:spPr>
+      </p:pic>
     </p:spTree>
     <p:extLst>
       <p:ext uri="{BB962C8B-B14F-4D97-AF65-F5344CB8AC3E}">
@@ -13946,21 +13974,6 @@
 </file>
 
 <file path=customXml/item1.xml><?xml version="1.0" encoding="utf-8"?>
-<?mso-contentType ?>
-<FormTemplates xmlns="http://schemas.microsoft.com/sharepoint/v3/contenttype/forms">
-  <Display>DocumentLibraryForm</Display>
-  <Edit>DocumentLibraryForm</Edit>
-  <New>DocumentLibraryForm</New>
-</FormTemplates>
-</file>
-
-<file path=customXml/item2.xml><?xml version="1.0" encoding="utf-8"?>
-<p:properties xmlns:p="http://schemas.microsoft.com/office/2006/metadata/properties" xmlns:xsi="http://www.w3.org/2001/XMLSchema-instance" xmlns:pc="http://schemas.microsoft.com/office/infopath/2007/PartnerControls">
-  <documentManagement/>
-</p:properties>
-</file>
-
-<file path=customXml/item3.xml><?xml version="1.0" encoding="utf-8"?>
 <ct:contentTypeSchema xmlns:ct="http://schemas.microsoft.com/office/2006/metadata/contentType" xmlns:ma="http://schemas.microsoft.com/office/2006/metadata/properties/metaAttributes" ct:_="" ma:_="" ma:contentTypeName="Document" ma:contentTypeID="0x010100579CCDD9754E9B40B13882595ECD5F7A" ma:contentTypeVersion="0" ma:contentTypeDescription="Create a new document." ma:contentTypeScope="" ma:versionID="48ffdc5cb6ca8bf97cbe1bd0206e10b7">
   <xsd:schema xmlns:xsd="http://www.w3.org/2001/XMLSchema" xmlns:xs="http://www.w3.org/2001/XMLSchema" xmlns:p="http://schemas.microsoft.com/office/2006/metadata/properties" targetNamespace="http://schemas.microsoft.com/office/2006/metadata/properties" ma:root="true" ma:fieldsID="1b05d82d297216baf5b26c55225140df">
     <xsd:element name="properties">
@@ -14074,10 +14087,33 @@
 </ct:contentTypeSchema>
 </file>
 
+<file path=customXml/item2.xml><?xml version="1.0" encoding="utf-8"?>
+<p:properties xmlns:p="http://schemas.microsoft.com/office/2006/metadata/properties" xmlns:xsi="http://www.w3.org/2001/XMLSchema-instance" xmlns:pc="http://schemas.microsoft.com/office/infopath/2007/PartnerControls">
+  <documentManagement/>
+</p:properties>
+</file>
+
+<file path=customXml/item3.xml><?xml version="1.0" encoding="utf-8"?>
+<?mso-contentType ?>
+<FormTemplates xmlns="http://schemas.microsoft.com/sharepoint/v3/contenttype/forms">
+  <Display>DocumentLibraryForm</Display>
+  <Edit>DocumentLibraryForm</Edit>
+  <New>DocumentLibraryForm</New>
+</FormTemplates>
+</file>
+
 <file path=customXml/itemProps1.xml><?xml version="1.0" encoding="utf-8"?>
-<ds:datastoreItem xmlns:ds="http://schemas.openxmlformats.org/officeDocument/2006/customXml" ds:itemID="{A14B8143-C3D6-460D-830C-A8DBEE85511A}">
+<ds:datastoreItem xmlns:ds="http://schemas.openxmlformats.org/officeDocument/2006/customXml" ds:itemID="{5421B56A-5C82-479A-80D0-662CC28B937B}">
   <ds:schemaRefs>
-    <ds:schemaRef ds:uri="http://schemas.microsoft.com/sharepoint/v3/contenttype/forms"/>
+    <ds:schemaRef ds:uri="http://schemas.microsoft.com/office/2006/metadata/contentType"/>
+    <ds:schemaRef ds:uri="http://schemas.microsoft.com/office/2006/metadata/properties/metaAttributes"/>
+    <ds:schemaRef ds:uri="http://www.w3.org/2001/XMLSchema"/>
+    <ds:schemaRef ds:uri="http://schemas.microsoft.com/office/2006/metadata/properties"/>
+    <ds:schemaRef ds:uri="http://schemas.openxmlformats.org/package/2006/metadata/core-properties"/>
+    <ds:schemaRef ds:uri="http://purl.org/dc/elements/1.1/"/>
+    <ds:schemaRef ds:uri="http://purl.org/dc/terms/"/>
+    <ds:schemaRef ds:uri="http://schemas.microsoft.com/internal/obd"/>
+    <ds:schemaRef ds:uri="http://schemas.microsoft.com/office/infopath/2007/PartnerControls"/>
   </ds:schemaRefs>
 </ds:datastoreItem>
 </file>
@@ -14098,17 +14134,9 @@
 </file>
 
 <file path=customXml/itemProps3.xml><?xml version="1.0" encoding="utf-8"?>
-<ds:datastoreItem xmlns:ds="http://schemas.openxmlformats.org/officeDocument/2006/customXml" ds:itemID="{5421B56A-5C82-479A-80D0-662CC28B937B}">
+<ds:datastoreItem xmlns:ds="http://schemas.openxmlformats.org/officeDocument/2006/customXml" ds:itemID="{A14B8143-C3D6-460D-830C-A8DBEE85511A}">
   <ds:schemaRefs>
-    <ds:schemaRef ds:uri="http://schemas.microsoft.com/office/2006/metadata/contentType"/>
-    <ds:schemaRef ds:uri="http://schemas.microsoft.com/office/2006/metadata/properties/metaAttributes"/>
-    <ds:schemaRef ds:uri="http://www.w3.org/2001/XMLSchema"/>
-    <ds:schemaRef ds:uri="http://schemas.microsoft.com/office/2006/metadata/properties"/>
-    <ds:schemaRef ds:uri="http://schemas.openxmlformats.org/package/2006/metadata/core-properties"/>
-    <ds:schemaRef ds:uri="http://purl.org/dc/elements/1.1/"/>
-    <ds:schemaRef ds:uri="http://purl.org/dc/terms/"/>
-    <ds:schemaRef ds:uri="http://schemas.microsoft.com/internal/obd"/>
-    <ds:schemaRef ds:uri="http://schemas.microsoft.com/office/infopath/2007/PartnerControls"/>
+    <ds:schemaRef ds:uri="http://schemas.microsoft.com/sharepoint/v3/contenttype/forms"/>
   </ds:schemaRefs>
 </ds:datastoreItem>
 </file>
--- a/SMEP_2024.pptx
+++ b/SMEP_2024.pptx
@@ -3583,8 +3583,8 @@
           </a:prstGeom>
         </p:spPr>
       </p:pic>
-      <mc:AlternateContent xmlns:mc="http://schemas.openxmlformats.org/markup-compatibility/2006" xmlns:a14="http://schemas.microsoft.com/office/drawing/2010/main">
-        <mc:Choice Requires="a14">
+      <mc:AlternateContent xmlns:mc="http://schemas.openxmlformats.org/markup-compatibility/2006">
+        <mc:Choice xmlns:a14="http://schemas.microsoft.com/office/drawing/2010/main" Requires="a14">
           <p:graphicFrame>
             <p:nvGraphicFramePr>
               <p:cNvPr id="46" name="Data Table " descr="This table is a placeholder. Please add your own alt text. ">
@@ -3600,14 +3600,14 @@
               <p:nvPr>
                 <p:extLst>
                   <p:ext uri="{D42A27DB-BD31-4B8C-83A1-F6EECF244321}">
-                    <p14:modId xmlns:p14="http://schemas.microsoft.com/office/powerpoint/2010/main" val="565885314"/>
+                    <p14:modId xmlns:p14="http://schemas.microsoft.com/office/powerpoint/2010/main" val="3133385155"/>
                   </p:ext>
                 </p:extLst>
               </p:nvPr>
             </p:nvGraphicFramePr>
             <p:xfrm>
               <a:off x="33549793" y="7200002"/>
-              <a:ext cx="10085592" cy="7454079"/>
+              <a:ext cx="10085592" cy="7332159"/>
             </p:xfrm>
             <a:graphic>
               <a:graphicData uri="http://schemas.openxmlformats.org/drawingml/2006/table">
@@ -4268,7 +4268,7 @@
                         <a:p>
                           <a:pPr algn="ctr" fontAlgn="b"/>
                           <a:r>
-                            <a:rPr lang="en-US" sz="3600" b="0" i="0" u="none" strike="noStrike" dirty="0">
+                            <a:rPr lang="en-US" sz="3400" b="0" i="0" u="none" strike="noStrike" dirty="0">
                               <a:solidFill>
                                 <a:srgbClr val="000000"/>
                               </a:solidFill>
@@ -4321,7 +4321,7 @@
                         <a:p>
                           <a:pPr algn="ctr" fontAlgn="b"/>
                           <a:r>
-                            <a:rPr lang="en-US" sz="3600" b="0" i="0" u="none" strike="noStrike">
+                            <a:rPr lang="en-US" sz="3400" b="0" i="0" u="none" strike="noStrike">
                               <a:solidFill>
                                 <a:srgbClr val="000000"/>
                               </a:solidFill>
@@ -4374,7 +4374,7 @@
                         <a:p>
                           <a:pPr algn="ctr" fontAlgn="b"/>
                           <a:r>
-                            <a:rPr lang="en-US" sz="3600" b="0" i="0" u="none" strike="noStrike" dirty="0">
+                            <a:rPr lang="en-US" sz="3400" b="0" i="0" u="none" strike="noStrike" dirty="0">
                               <a:solidFill>
                                 <a:srgbClr val="000000"/>
                               </a:solidFill>
@@ -4516,7 +4516,7 @@
                         <a:p>
                           <a:pPr algn="ctr" fontAlgn="b"/>
                           <a:r>
-                            <a:rPr lang="en-US" sz="3600" b="0" i="0" u="none" strike="noStrike">
+                            <a:rPr lang="en-US" sz="3400" b="0" i="0" u="none" strike="noStrike">
                               <a:solidFill>
                                 <a:srgbClr val="000000"/>
                               </a:solidFill>
@@ -4569,7 +4569,7 @@
                         <a:p>
                           <a:pPr algn="ctr" fontAlgn="b"/>
                           <a:r>
-                            <a:rPr lang="en-US" sz="3600" b="0" i="0" u="none" strike="noStrike" dirty="0">
+                            <a:rPr lang="en-US" sz="3400" b="0" i="0" u="none" strike="noStrike" dirty="0">
                               <a:solidFill>
                                 <a:srgbClr val="000000"/>
                               </a:solidFill>
@@ -4622,7 +4622,7 @@
                         <a:p>
                           <a:pPr algn="ctr" fontAlgn="b"/>
                           <a:r>
-                            <a:rPr lang="en-US" sz="3600" b="0" i="0" u="none" strike="noStrike" dirty="0">
+                            <a:rPr lang="en-US" sz="3400" b="0" i="0" u="none" strike="noStrike" dirty="0">
                               <a:solidFill>
                                 <a:srgbClr val="000000"/>
                               </a:solidFill>
@@ -4695,7 +4695,7 @@
                               <a:effectLst/>
                               <a:latin typeface="+mn-lt"/>
                             </a:rPr>
-                            <a:t>ADVI / </a:t>
+                            <a:t>ADVI/</a:t>
                           </a:r>
                           <a:r>
                             <a:rPr lang="el-GR" sz="3400" b="1" i="0" u="none" strike="noStrike" dirty="0">
@@ -4758,7 +4758,7 @@
                         <a:p>
                           <a:pPr algn="ctr" fontAlgn="b"/>
                           <a:r>
-                            <a:rPr lang="en-US" sz="3600" b="0" i="0" u="none" strike="noStrike">
+                            <a:rPr lang="en-US" sz="3400" b="0" i="0" u="none" strike="noStrike">
                               <a:solidFill>
                                 <a:srgbClr val="000000"/>
                               </a:solidFill>
@@ -4805,7 +4805,7 @@
                         <a:p>
                           <a:pPr algn="ctr" fontAlgn="b"/>
                           <a:r>
-                            <a:rPr lang="en-US" sz="3600" b="0" i="0" u="none" strike="noStrike">
+                            <a:rPr lang="en-US" sz="3400" b="0" i="0" u="none" strike="noStrike">
                               <a:solidFill>
                                 <a:srgbClr val="000000"/>
                               </a:solidFill>
@@ -4852,7 +4852,7 @@
                         <a:p>
                           <a:pPr algn="ctr" fontAlgn="b"/>
                           <a:r>
-                            <a:rPr lang="en-US" sz="3600" b="0" i="0" u="none" strike="noStrike" dirty="0">
+                            <a:rPr lang="en-US" sz="3400" b="0" i="0" u="none" strike="noStrike" dirty="0">
                               <a:solidFill>
                                 <a:srgbClr val="000000"/>
                               </a:solidFill>
@@ -4919,7 +4919,7 @@
                               <a:effectLst/>
                               <a:latin typeface="+mn-lt"/>
                             </a:rPr>
-                            <a:t>ADVI / </a:t>
+                            <a:t>ADVI/</a:t>
                           </a:r>
                           <a:r>
                             <a:rPr lang="el-GR" sz="3400" b="1" i="0" u="none" strike="noStrike" dirty="0">
@@ -4980,7 +4980,7 @@
                         <a:p>
                           <a:pPr algn="ctr" fontAlgn="b"/>
                           <a:r>
-                            <a:rPr lang="en-US" sz="3600" b="0" i="0" u="none" strike="noStrike">
+                            <a:rPr lang="en-US" sz="3400" b="0" i="0" u="none" strike="noStrike">
                               <a:solidFill>
                                 <a:srgbClr val="000000"/>
                               </a:solidFill>
@@ -5021,7 +5021,7 @@
                         <a:p>
                           <a:pPr algn="ctr" fontAlgn="b"/>
                           <a:r>
-                            <a:rPr lang="en-US" sz="3600" b="0" i="0" u="none" strike="noStrike">
+                            <a:rPr lang="en-US" sz="3400" b="0" i="0" u="none" strike="noStrike" dirty="0">
                               <a:solidFill>
                                 <a:srgbClr val="000000"/>
                               </a:solidFill>
@@ -5062,7 +5062,7 @@
                         <a:p>
                           <a:pPr algn="ctr" fontAlgn="b"/>
                           <a:r>
-                            <a:rPr lang="en-US" sz="3600" b="0" i="0" u="none" strike="noStrike" dirty="0">
+                            <a:rPr lang="en-US" sz="3400" b="0" i="0" u="none" strike="noStrike" dirty="0">
                               <a:solidFill>
                                 <a:srgbClr val="000000"/>
                               </a:solidFill>
@@ -5184,7 +5184,7 @@
                         <a:p>
                           <a:pPr algn="ctr" fontAlgn="b"/>
                           <a:r>
-                            <a:rPr lang="en-US" sz="3600" b="0" i="0" u="none" strike="noStrike">
+                            <a:rPr lang="en-US" sz="3400" b="0" i="0" u="none" strike="noStrike">
                               <a:solidFill>
                                 <a:srgbClr val="000000"/>
                               </a:solidFill>
@@ -5225,7 +5225,7 @@
                         <a:p>
                           <a:pPr algn="ctr" fontAlgn="b"/>
                           <a:r>
-                            <a:rPr lang="en-US" sz="3600" b="0" i="0" u="none" strike="noStrike" dirty="0">
+                            <a:rPr lang="en-US" sz="3400" b="0" i="0" u="none" strike="noStrike" dirty="0">
                               <a:solidFill>
                                 <a:srgbClr val="000000"/>
                               </a:solidFill>
@@ -5266,7 +5266,7 @@
                         <a:p>
                           <a:pPr algn="ctr" fontAlgn="b"/>
                           <a:r>
-                            <a:rPr lang="en-US" sz="3600" b="0" i="0" u="none" strike="noStrike" dirty="0">
+                            <a:rPr lang="en-US" sz="3400" b="0" i="0" u="none" strike="noStrike" dirty="0">
                               <a:solidFill>
                                 <a:srgbClr val="000000"/>
                               </a:solidFill>
@@ -5391,7 +5391,7 @@
                         <a:p>
                           <a:pPr algn="ctr" fontAlgn="b"/>
                           <a:r>
-                            <a:rPr lang="en-US" sz="3600" b="0" i="0" u="none" strike="noStrike">
+                            <a:rPr lang="en-US" sz="3400" b="0" i="0" u="none" strike="noStrike">
                               <a:solidFill>
                                 <a:srgbClr val="000000"/>
                               </a:solidFill>
@@ -5432,7 +5432,7 @@
                         <a:p>
                           <a:pPr algn="ctr" fontAlgn="b"/>
                           <a:r>
-                            <a:rPr lang="en-US" sz="3600" b="0" i="0" u="none" strike="noStrike">
+                            <a:rPr lang="en-US" sz="3400" b="0" i="0" u="none" strike="noStrike">
                               <a:solidFill>
                                 <a:srgbClr val="000000"/>
                               </a:solidFill>
@@ -5473,7 +5473,7 @@
                         <a:p>
                           <a:pPr algn="ctr" fontAlgn="b"/>
                           <a:r>
-                            <a:rPr lang="en-US" sz="3600" b="0" i="0" u="none" strike="noStrike" dirty="0">
+                            <a:rPr lang="en-US" sz="3400" b="0" i="0" u="none" strike="noStrike" dirty="0">
                               <a:solidFill>
                                 <a:srgbClr val="000000"/>
                               </a:solidFill>
@@ -5595,7 +5595,7 @@
                         <a:p>
                           <a:pPr algn="ctr" fontAlgn="b"/>
                           <a:r>
-                            <a:rPr lang="en-US" sz="3600" b="0" i="0" u="none" strike="noStrike">
+                            <a:rPr lang="en-US" sz="3400" b="0" i="0" u="none" strike="noStrike">
                               <a:solidFill>
                                 <a:srgbClr val="000000"/>
                               </a:solidFill>
@@ -5636,7 +5636,7 @@
                         <a:p>
                           <a:pPr algn="ctr" fontAlgn="b"/>
                           <a:r>
-                            <a:rPr lang="en-US" sz="3600" b="0" i="0" u="none" strike="noStrike">
+                            <a:rPr lang="en-US" sz="3400" b="0" i="0" u="none" strike="noStrike">
                               <a:solidFill>
                                 <a:srgbClr val="000000"/>
                               </a:solidFill>
@@ -5677,7 +5677,7 @@
                         <a:p>
                           <a:pPr algn="ctr" fontAlgn="b"/>
                           <a:r>
-                            <a:rPr lang="en-US" sz="3600" b="0" i="0" u="none" strike="noStrike" dirty="0">
+                            <a:rPr lang="en-US" sz="3400" b="0" i="0" u="none" strike="noStrike" dirty="0">
                               <a:solidFill>
                                 <a:srgbClr val="000000"/>
                               </a:solidFill>
@@ -5805,7 +5805,7 @@
                         <a:p>
                           <a:pPr algn="ctr" fontAlgn="b"/>
                           <a:r>
-                            <a:rPr lang="en-US" sz="3600" b="0" i="0" u="none" strike="noStrike" dirty="0">
+                            <a:rPr lang="en-US" sz="3400" b="0" i="0" u="none" strike="noStrike" dirty="0">
                               <a:solidFill>
                                 <a:srgbClr val="000000"/>
                               </a:solidFill>
@@ -5852,7 +5852,7 @@
                         <a:p>
                           <a:pPr algn="ctr" fontAlgn="b"/>
                           <a:r>
-                            <a:rPr lang="en-US" sz="3600" b="0" i="0" u="none" strike="noStrike" dirty="0">
+                            <a:rPr lang="en-US" sz="3400" b="0" i="0" u="none" strike="noStrike" dirty="0">
                               <a:solidFill>
                                 <a:srgbClr val="000000"/>
                               </a:solidFill>
@@ -5899,7 +5899,7 @@
                         <a:p>
                           <a:pPr algn="ctr" fontAlgn="b"/>
                           <a:r>
-                            <a:rPr lang="en-US" sz="3600" b="0" i="0" u="none" strike="noStrike" dirty="0">
+                            <a:rPr lang="en-US" sz="3400" b="0" i="0" u="none" strike="noStrike" dirty="0">
                               <a:solidFill>
                                 <a:srgbClr val="000000"/>
                               </a:solidFill>
@@ -5956,7 +5956,7 @@
             </a:graphic>
           </p:graphicFrame>
         </mc:Choice>
-        <mc:Fallback xmlns="">
+        <mc:Fallback>
           <p:graphicFrame>
             <p:nvGraphicFramePr>
               <p:cNvPr id="46" name="Data Table " descr="This table is a placeholder. Please add your own alt text. ">
@@ -5972,14 +5972,14 @@
               <p:nvPr>
                 <p:extLst>
                   <p:ext uri="{D42A27DB-BD31-4B8C-83A1-F6EECF244321}">
-                    <p14:modId xmlns:p14="http://schemas.microsoft.com/office/powerpoint/2010/main" val="565885314"/>
+                    <p14:modId xmlns:p14="http://schemas.microsoft.com/office/powerpoint/2010/main" val="3133385155"/>
                   </p:ext>
                 </p:extLst>
               </p:nvPr>
             </p:nvGraphicFramePr>
             <p:xfrm>
               <a:off x="33549793" y="7200002"/>
-              <a:ext cx="10085592" cy="7454079"/>
+              <a:ext cx="10085592" cy="7332159"/>
             </p:xfrm>
             <a:graphic>
               <a:graphicData uri="http://schemas.openxmlformats.org/drawingml/2006/table">
@@ -6470,9 +6470,9 @@
                           <a:prstDash val="solid"/>
                         </a:lnBlToTr>
                         <a:blipFill>
-                          <a:blip r:embed="rId12"/>
+                          <a:blip r:embed="rId11"/>
                           <a:stretch>
-                            <a:fillRect l="-252979" t="-116304" r="-1915" b="-1186957"/>
+                            <a:fillRect l="-252979" t="-116304" r="-1915" b="-1161957"/>
                           </a:stretch>
                         </a:blipFill>
                       </a:tcPr>
@@ -6567,7 +6567,7 @@
                         <a:p>
                           <a:pPr algn="ctr" fontAlgn="b"/>
                           <a:r>
-                            <a:rPr lang="en-US" sz="3600" b="0" i="0" u="none" strike="noStrike" dirty="0">
+                            <a:rPr lang="en-US" sz="3400" b="0" i="0" u="none" strike="noStrike" dirty="0">
                               <a:solidFill>
                                 <a:srgbClr val="000000"/>
                               </a:solidFill>
@@ -6620,7 +6620,7 @@
                         <a:p>
                           <a:pPr algn="ctr" fontAlgn="b"/>
                           <a:r>
-                            <a:rPr lang="en-US" sz="3600" b="0" i="0" u="none" strike="noStrike">
+                            <a:rPr lang="en-US" sz="3400" b="0" i="0" u="none" strike="noStrike">
                               <a:solidFill>
                                 <a:srgbClr val="000000"/>
                               </a:solidFill>
@@ -6673,7 +6673,7 @@
                         <a:p>
                           <a:pPr algn="ctr" fontAlgn="b"/>
                           <a:r>
-                            <a:rPr lang="en-US" sz="3600" b="0" i="0" u="none" strike="noStrike" dirty="0">
+                            <a:rPr lang="en-US" sz="3400" b="0" i="0" u="none" strike="noStrike" dirty="0">
                               <a:solidFill>
                                 <a:srgbClr val="000000"/>
                               </a:solidFill>
@@ -6815,7 +6815,7 @@
                         <a:p>
                           <a:pPr algn="ctr" fontAlgn="b"/>
                           <a:r>
-                            <a:rPr lang="en-US" sz="3600" b="0" i="0" u="none" strike="noStrike">
+                            <a:rPr lang="en-US" sz="3400" b="0" i="0" u="none" strike="noStrike">
                               <a:solidFill>
                                 <a:srgbClr val="000000"/>
                               </a:solidFill>
@@ -6868,7 +6868,7 @@
                         <a:p>
                           <a:pPr algn="ctr" fontAlgn="b"/>
                           <a:r>
-                            <a:rPr lang="en-US" sz="3600" b="0" i="0" u="none" strike="noStrike" dirty="0">
+                            <a:rPr lang="en-US" sz="3400" b="0" i="0" u="none" strike="noStrike" dirty="0">
                               <a:solidFill>
                                 <a:srgbClr val="000000"/>
                               </a:solidFill>
@@ -6921,7 +6921,7 @@
                         <a:p>
                           <a:pPr algn="ctr" fontAlgn="b"/>
                           <a:r>
-                            <a:rPr lang="en-US" sz="3600" b="0" i="0" u="none" strike="noStrike" dirty="0">
+                            <a:rPr lang="en-US" sz="3400" b="0" i="0" u="none" strike="noStrike" dirty="0">
                               <a:solidFill>
                                 <a:srgbClr val="000000"/>
                               </a:solidFill>
@@ -6979,7 +6979,7 @@
                       </a:ext>
                     </a:extLst>
                   </a:tr>
-                  <a:tr h="553403">
+                  <a:tr h="522923">
                     <a:tc>
                       <a:txBody>
                         <a:bodyPr/>
@@ -6994,7 +6994,7 @@
                               <a:effectLst/>
                               <a:latin typeface="+mn-lt"/>
                             </a:rPr>
-                            <a:t>ADVI / </a:t>
+                            <a:t>ADVI/</a:t>
                           </a:r>
                           <a:r>
                             <a:rPr lang="el-GR" sz="3400" b="1" i="0" u="none" strike="noStrike" dirty="0">
@@ -7057,7 +7057,7 @@
                         <a:p>
                           <a:pPr algn="ctr" fontAlgn="b"/>
                           <a:r>
-                            <a:rPr lang="en-US" sz="3600" b="0" i="0" u="none" strike="noStrike">
+                            <a:rPr lang="en-US" sz="3400" b="0" i="0" u="none" strike="noStrike">
                               <a:solidFill>
                                 <a:srgbClr val="000000"/>
                               </a:solidFill>
@@ -7104,7 +7104,7 @@
                         <a:p>
                           <a:pPr algn="ctr" fontAlgn="b"/>
                           <a:r>
-                            <a:rPr lang="en-US" sz="3600" b="0" i="0" u="none" strike="noStrike">
+                            <a:rPr lang="en-US" sz="3400" b="0" i="0" u="none" strike="noStrike">
                               <a:solidFill>
                                 <a:srgbClr val="000000"/>
                               </a:solidFill>
@@ -7151,7 +7151,7 @@
                         <a:p>
                           <a:pPr algn="ctr" fontAlgn="b"/>
                           <a:r>
-                            <a:rPr lang="en-US" sz="3600" b="0" i="0" u="none" strike="noStrike" dirty="0">
+                            <a:rPr lang="en-US" sz="3400" b="0" i="0" u="none" strike="noStrike" dirty="0">
                               <a:solidFill>
                                 <a:srgbClr val="000000"/>
                               </a:solidFill>
@@ -7203,7 +7203,7 @@
                       </a:ext>
                     </a:extLst>
                   </a:tr>
-                  <a:tr h="553403">
+                  <a:tr h="522923">
                     <a:tc>
                       <a:txBody>
                         <a:bodyPr/>
@@ -7218,7 +7218,7 @@
                               <a:effectLst/>
                               <a:latin typeface="+mn-lt"/>
                             </a:rPr>
-                            <a:t>ADVI / </a:t>
+                            <a:t>ADVI/</a:t>
                           </a:r>
                           <a:r>
                             <a:rPr lang="el-GR" sz="3400" b="1" i="0" u="none" strike="noStrike" dirty="0">
@@ -7279,7 +7279,7 @@
                         <a:p>
                           <a:pPr algn="ctr" fontAlgn="b"/>
                           <a:r>
-                            <a:rPr lang="en-US" sz="3600" b="0" i="0" u="none" strike="noStrike">
+                            <a:rPr lang="en-US" sz="3400" b="0" i="0" u="none" strike="noStrike">
                               <a:solidFill>
                                 <a:srgbClr val="000000"/>
                               </a:solidFill>
@@ -7320,7 +7320,7 @@
                         <a:p>
                           <a:pPr algn="ctr" fontAlgn="b"/>
                           <a:r>
-                            <a:rPr lang="en-US" sz="3600" b="0" i="0" u="none" strike="noStrike">
+                            <a:rPr lang="en-US" sz="3400" b="0" i="0" u="none" strike="noStrike" dirty="0">
                               <a:solidFill>
                                 <a:srgbClr val="000000"/>
                               </a:solidFill>
@@ -7361,7 +7361,7 @@
                         <a:p>
                           <a:pPr algn="ctr" fontAlgn="b"/>
                           <a:r>
-                            <a:rPr lang="en-US" sz="3600" b="0" i="0" u="none" strike="noStrike" dirty="0">
+                            <a:rPr lang="en-US" sz="3400" b="0" i="0" u="none" strike="noStrike" dirty="0">
                               <a:solidFill>
                                 <a:srgbClr val="000000"/>
                               </a:solidFill>
@@ -7407,7 +7407,7 @@
                       </a:ext>
                     </a:extLst>
                   </a:tr>
-                  <a:tr h="553403">
+                  <a:tr h="522923">
                     <a:tc>
                       <a:txBody>
                         <a:bodyPr/>
@@ -7483,7 +7483,7 @@
                         <a:p>
                           <a:pPr algn="ctr" fontAlgn="b"/>
                           <a:r>
-                            <a:rPr lang="en-US" sz="3600" b="0" i="0" u="none" strike="noStrike">
+                            <a:rPr lang="en-US" sz="3400" b="0" i="0" u="none" strike="noStrike">
                               <a:solidFill>
                                 <a:srgbClr val="000000"/>
                               </a:solidFill>
@@ -7524,7 +7524,7 @@
                         <a:p>
                           <a:pPr algn="ctr" fontAlgn="b"/>
                           <a:r>
-                            <a:rPr lang="en-US" sz="3600" b="0" i="0" u="none" strike="noStrike" dirty="0">
+                            <a:rPr lang="en-US" sz="3400" b="0" i="0" u="none" strike="noStrike" dirty="0">
                               <a:solidFill>
                                 <a:srgbClr val="000000"/>
                               </a:solidFill>
@@ -7565,7 +7565,7 @@
                         <a:p>
                           <a:pPr algn="ctr" fontAlgn="b"/>
                           <a:r>
-                            <a:rPr lang="en-US" sz="3600" b="0" i="0" u="none" strike="noStrike" dirty="0">
+                            <a:rPr lang="en-US" sz="3400" b="0" i="0" u="none" strike="noStrike" dirty="0">
                               <a:solidFill>
                                 <a:srgbClr val="000000"/>
                               </a:solidFill>
@@ -7611,7 +7611,7 @@
                       </a:ext>
                     </a:extLst>
                   </a:tr>
-                  <a:tr h="553403">
+                  <a:tr h="522923">
                     <a:tc>
                       <a:txBody>
                         <a:bodyPr/>
@@ -7690,7 +7690,7 @@
                         <a:p>
                           <a:pPr algn="ctr" fontAlgn="b"/>
                           <a:r>
-                            <a:rPr lang="en-US" sz="3600" b="0" i="0" u="none" strike="noStrike">
+                            <a:rPr lang="en-US" sz="3400" b="0" i="0" u="none" strike="noStrike">
                               <a:solidFill>
                                 <a:srgbClr val="000000"/>
                               </a:solidFill>
@@ -7731,7 +7731,7 @@
                         <a:p>
                           <a:pPr algn="ctr" fontAlgn="b"/>
                           <a:r>
-                            <a:rPr lang="en-US" sz="3600" b="0" i="0" u="none" strike="noStrike">
+                            <a:rPr lang="en-US" sz="3400" b="0" i="0" u="none" strike="noStrike">
                               <a:solidFill>
                                 <a:srgbClr val="000000"/>
                               </a:solidFill>
@@ -7772,7 +7772,7 @@
                         <a:p>
                           <a:pPr algn="ctr" fontAlgn="b"/>
                           <a:r>
-                            <a:rPr lang="en-US" sz="3600" b="0" i="0" u="none" strike="noStrike" dirty="0">
+                            <a:rPr lang="en-US" sz="3400" b="0" i="0" u="none" strike="noStrike" dirty="0">
                               <a:solidFill>
                                 <a:srgbClr val="000000"/>
                               </a:solidFill>
@@ -7894,7 +7894,7 @@
                         <a:p>
                           <a:pPr algn="ctr" fontAlgn="b"/>
                           <a:r>
-                            <a:rPr lang="en-US" sz="3600" b="0" i="0" u="none" strike="noStrike">
+                            <a:rPr lang="en-US" sz="3400" b="0" i="0" u="none" strike="noStrike">
                               <a:solidFill>
                                 <a:srgbClr val="000000"/>
                               </a:solidFill>
@@ -7935,7 +7935,7 @@
                         <a:p>
                           <a:pPr algn="ctr" fontAlgn="b"/>
                           <a:r>
-                            <a:rPr lang="en-US" sz="3600" b="0" i="0" u="none" strike="noStrike">
+                            <a:rPr lang="en-US" sz="3400" b="0" i="0" u="none" strike="noStrike">
                               <a:solidFill>
                                 <a:srgbClr val="000000"/>
                               </a:solidFill>
@@ -7976,7 +7976,7 @@
                         <a:p>
                           <a:pPr algn="ctr" fontAlgn="b"/>
                           <a:r>
-                            <a:rPr lang="en-US" sz="3600" b="0" i="0" u="none" strike="noStrike" dirty="0">
+                            <a:rPr lang="en-US" sz="3400" b="0" i="0" u="none" strike="noStrike" dirty="0">
                               <a:solidFill>
                                 <a:srgbClr val="000000"/>
                               </a:solidFill>
@@ -8104,7 +8104,7 @@
                         <a:p>
                           <a:pPr algn="ctr" fontAlgn="b"/>
                           <a:r>
-                            <a:rPr lang="en-US" sz="3600" b="0" i="0" u="none" strike="noStrike" dirty="0">
+                            <a:rPr lang="en-US" sz="3400" b="0" i="0" u="none" strike="noStrike" dirty="0">
                               <a:solidFill>
                                 <a:srgbClr val="000000"/>
                               </a:solidFill>
@@ -8151,7 +8151,7 @@
                         <a:p>
                           <a:pPr algn="ctr" fontAlgn="b"/>
                           <a:r>
-                            <a:rPr lang="en-US" sz="3600" b="0" i="0" u="none" strike="noStrike" dirty="0">
+                            <a:rPr lang="en-US" sz="3400" b="0" i="0" u="none" strike="noStrike" dirty="0">
                               <a:solidFill>
                                 <a:srgbClr val="000000"/>
                               </a:solidFill>
@@ -8198,7 +8198,7 @@
                         <a:p>
                           <a:pPr algn="ctr" fontAlgn="b"/>
                           <a:r>
-                            <a:rPr lang="en-US" sz="3600" b="0" i="0" u="none" strike="noStrike" dirty="0">
+                            <a:rPr lang="en-US" sz="3400" b="0" i="0" u="none" strike="noStrike" dirty="0">
                               <a:solidFill>
                                 <a:srgbClr val="000000"/>
                               </a:solidFill>
@@ -8273,7 +8273,7 @@
               <p:nvPr>
                 <p:extLst>
                   <p:ext uri="{D42A27DB-BD31-4B8C-83A1-F6EECF244321}">
-                    <p14:modId xmlns:p14="http://schemas.microsoft.com/office/powerpoint/2010/main" val="3470495556"/>
+                    <p14:modId xmlns:p14="http://schemas.microsoft.com/office/powerpoint/2010/main" val="706077397"/>
                   </p:ext>
                 </p:extLst>
               </p:nvPr>
@@ -8969,7 +8969,7 @@
                         <a:p>
                           <a:pPr algn="ctr" fontAlgn="b"/>
                           <a:r>
-                            <a:rPr lang="en-US" sz="3600" b="0" i="0" u="none" strike="noStrike" dirty="0">
+                            <a:rPr lang="en-US" sz="3400" b="0" i="0" u="none" strike="noStrike" dirty="0">
                               <a:solidFill>
                                 <a:srgbClr val="000000"/>
                               </a:solidFill>
@@ -9022,7 +9022,7 @@
                         <a:p>
                           <a:pPr algn="ctr" fontAlgn="b"/>
                           <a:r>
-                            <a:rPr lang="en-US" sz="3600" b="0" i="0" u="none" strike="noStrike" dirty="0">
+                            <a:rPr lang="en-US" sz="3400" b="0" i="0" u="none" strike="noStrike" dirty="0">
                               <a:solidFill>
                                 <a:srgbClr val="000000"/>
                               </a:solidFill>
@@ -9075,7 +9075,7 @@
                         <a:p>
                           <a:pPr algn="ctr" fontAlgn="b"/>
                           <a:r>
-                            <a:rPr lang="en-US" sz="3600" b="0" i="0" u="none" strike="noStrike" dirty="0">
+                            <a:rPr lang="en-US" sz="3400" b="0" i="0" u="none" strike="noStrike" dirty="0">
                               <a:solidFill>
                                 <a:srgbClr val="000000"/>
                               </a:solidFill>
@@ -9200,7 +9200,7 @@
                         <a:p>
                           <a:pPr algn="ctr" fontAlgn="b"/>
                           <a:r>
-                            <a:rPr lang="en-US" sz="3600" b="0" i="0" u="none" strike="noStrike" dirty="0">
+                            <a:rPr lang="en-US" sz="3400" b="0" i="0" u="none" strike="noStrike" dirty="0">
                               <a:solidFill>
                                 <a:srgbClr val="000000"/>
                               </a:solidFill>
@@ -9253,7 +9253,7 @@
                         <a:p>
                           <a:pPr algn="ctr" fontAlgn="b"/>
                           <a:r>
-                            <a:rPr lang="en-US" sz="3600" b="0" i="0" u="none" strike="noStrike" dirty="0">
+                            <a:rPr lang="en-US" sz="3400" b="0" i="0" u="none" strike="noStrike" dirty="0">
                               <a:solidFill>
                                 <a:srgbClr val="000000"/>
                               </a:solidFill>
@@ -9306,7 +9306,7 @@
                         <a:p>
                           <a:pPr algn="ctr" fontAlgn="b"/>
                           <a:r>
-                            <a:rPr lang="en-US" sz="3600" b="0" i="0" u="none" strike="noStrike" dirty="0">
+                            <a:rPr lang="en-US" sz="3400" b="0" i="0" u="none" strike="noStrike" dirty="0">
                               <a:solidFill>
                                 <a:srgbClr val="000000"/>
                               </a:solidFill>
@@ -9379,7 +9379,7 @@
                               <a:effectLst/>
                               <a:latin typeface="+mn-lt"/>
                             </a:rPr>
-                            <a:t>ADVI / </a:t>
+                            <a:t>ADVI/</a:t>
                           </a:r>
                           <a:r>
                             <a:rPr lang="el-GR" sz="3600" b="1" i="0" u="none" strike="noStrike" dirty="0">
@@ -9442,7 +9442,7 @@
                         <a:p>
                           <a:pPr algn="ctr" fontAlgn="b"/>
                           <a:r>
-                            <a:rPr lang="en-US" sz="3600" b="0" i="0" u="none" strike="noStrike" dirty="0">
+                            <a:rPr lang="en-US" sz="3400" b="0" i="0" u="none" strike="noStrike" dirty="0">
                               <a:solidFill>
                                 <a:srgbClr val="000000"/>
                               </a:solidFill>
@@ -9489,7 +9489,7 @@
                         <a:p>
                           <a:pPr algn="ctr" fontAlgn="b"/>
                           <a:r>
-                            <a:rPr lang="en-US" sz="3600" b="0" i="0" u="none" strike="noStrike" dirty="0">
+                            <a:rPr lang="en-US" sz="3400" b="0" i="0" u="none" strike="noStrike" dirty="0">
                               <a:solidFill>
                                 <a:srgbClr val="000000"/>
                               </a:solidFill>
@@ -9536,7 +9536,7 @@
                         <a:p>
                           <a:pPr algn="ctr" fontAlgn="b"/>
                           <a:r>
-                            <a:rPr lang="en-US" sz="3600" b="0" i="0" u="none" strike="noStrike" dirty="0">
+                            <a:rPr lang="en-US" sz="3400" b="0" i="0" u="none" strike="noStrike" dirty="0">
                               <a:solidFill>
                                 <a:srgbClr val="000000"/>
                               </a:solidFill>
@@ -9603,7 +9603,7 @@
                               <a:effectLst/>
                               <a:latin typeface="+mn-lt"/>
                             </a:rPr>
-                            <a:t>ADVI / </a:t>
+                            <a:t>ADVI/</a:t>
                           </a:r>
                           <a:r>
                             <a:rPr lang="el-GR" sz="3600" b="1" i="0" u="none" strike="noStrike" dirty="0">
@@ -9664,7 +9664,7 @@
                         <a:p>
                           <a:pPr algn="ctr" fontAlgn="b"/>
                           <a:r>
-                            <a:rPr lang="en-US" sz="3600" b="0" i="0" u="none" strike="noStrike" dirty="0">
+                            <a:rPr lang="en-US" sz="3400" b="0" i="0" u="none" strike="noStrike" dirty="0">
                               <a:solidFill>
                                 <a:srgbClr val="000000"/>
                               </a:solidFill>
@@ -9705,7 +9705,7 @@
                         <a:p>
                           <a:pPr algn="ctr" fontAlgn="b"/>
                           <a:r>
-                            <a:rPr lang="en-US" sz="3600" b="0" i="0" u="none" strike="noStrike" dirty="0">
+                            <a:rPr lang="en-US" sz="3400" b="0" i="0" u="none" strike="noStrike" dirty="0">
                               <a:solidFill>
                                 <a:srgbClr val="000000"/>
                               </a:solidFill>
@@ -9746,7 +9746,7 @@
                         <a:p>
                           <a:pPr algn="ctr" fontAlgn="b"/>
                           <a:r>
-                            <a:rPr lang="en-US" sz="3600" b="0" i="0" u="none" strike="noStrike" dirty="0">
+                            <a:rPr lang="en-US" sz="3400" b="0" i="0" u="none" strike="noStrike" dirty="0">
                               <a:solidFill>
                                 <a:srgbClr val="000000"/>
                               </a:solidFill>
@@ -9868,7 +9868,7 @@
                         <a:p>
                           <a:pPr algn="ctr" fontAlgn="b"/>
                           <a:r>
-                            <a:rPr lang="en-US" sz="3600" b="0" i="0" u="none" strike="noStrike">
+                            <a:rPr lang="en-US" sz="3400" b="0" i="0" u="none" strike="noStrike">
                               <a:solidFill>
                                 <a:srgbClr val="000000"/>
                               </a:solidFill>
@@ -9909,7 +9909,7 @@
                         <a:p>
                           <a:pPr algn="ctr" fontAlgn="b"/>
                           <a:r>
-                            <a:rPr lang="en-US" sz="3600" b="0" i="0" u="none" strike="noStrike" dirty="0">
+                            <a:rPr lang="en-US" sz="3400" b="0" i="0" u="none" strike="noStrike" dirty="0">
                               <a:solidFill>
                                 <a:srgbClr val="000000"/>
                               </a:solidFill>
@@ -9950,7 +9950,7 @@
                         <a:p>
                           <a:pPr algn="ctr" fontAlgn="b"/>
                           <a:r>
-                            <a:rPr lang="en-US" sz="3600" b="0" i="0" u="none" strike="noStrike" dirty="0">
+                            <a:rPr lang="en-US" sz="3400" b="0" i="0" u="none" strike="noStrike" dirty="0">
                               <a:solidFill>
                                 <a:srgbClr val="000000"/>
                               </a:solidFill>
@@ -10075,7 +10075,7 @@
                         <a:p>
                           <a:pPr algn="ctr" fontAlgn="b"/>
                           <a:r>
-                            <a:rPr lang="en-US" sz="3600" b="0" i="0" u="none" strike="noStrike" dirty="0">
+                            <a:rPr lang="en-US" sz="3400" b="0" i="0" u="none" strike="noStrike" dirty="0">
                               <a:solidFill>
                                 <a:srgbClr val="000000"/>
                               </a:solidFill>
@@ -10116,7 +10116,7 @@
                         <a:p>
                           <a:pPr algn="ctr" fontAlgn="b"/>
                           <a:r>
-                            <a:rPr lang="en-US" sz="3600" b="0" i="0" u="none" strike="noStrike" dirty="0">
+                            <a:rPr lang="en-US" sz="3400" b="0" i="0" u="none" strike="noStrike" dirty="0">
                               <a:solidFill>
                                 <a:srgbClr val="000000"/>
                               </a:solidFill>
@@ -10157,7 +10157,7 @@
                         <a:p>
                           <a:pPr algn="ctr" fontAlgn="b"/>
                           <a:r>
-                            <a:rPr lang="en-US" sz="3600" b="0" i="0" u="none" strike="noStrike" dirty="0">
+                            <a:rPr lang="en-US" sz="3400" b="0" i="0" u="none" strike="noStrike" dirty="0">
                               <a:solidFill>
                                 <a:srgbClr val="000000"/>
                               </a:solidFill>
@@ -10279,7 +10279,7 @@
                         <a:p>
                           <a:pPr algn="ctr" fontAlgn="b"/>
                           <a:r>
-                            <a:rPr lang="en-US" sz="3600" b="0" i="0" u="none" strike="noStrike">
+                            <a:rPr lang="en-US" sz="3400" b="0" i="0" u="none" strike="noStrike">
                               <a:solidFill>
                                 <a:srgbClr val="000000"/>
                               </a:solidFill>
@@ -10320,7 +10320,7 @@
                         <a:p>
                           <a:pPr algn="ctr" fontAlgn="b"/>
                           <a:r>
-                            <a:rPr lang="en-US" sz="3600" b="0" i="0" u="none" strike="noStrike" dirty="0">
+                            <a:rPr lang="en-US" sz="3400" b="0" i="0" u="none" strike="noStrike" dirty="0">
                               <a:solidFill>
                                 <a:srgbClr val="000000"/>
                               </a:solidFill>
@@ -10361,7 +10361,7 @@
                         <a:p>
                           <a:pPr algn="ctr" fontAlgn="b"/>
                           <a:r>
-                            <a:rPr lang="en-US" sz="3600" b="0" i="0" u="none" strike="noStrike" dirty="0">
+                            <a:rPr lang="en-US" sz="3400" b="0" i="0" u="none" strike="noStrike" dirty="0">
                               <a:solidFill>
                                 <a:srgbClr val="000000"/>
                               </a:solidFill>
@@ -10489,7 +10489,7 @@
                         <a:p>
                           <a:pPr algn="ctr" fontAlgn="b"/>
                           <a:r>
-                            <a:rPr lang="en-US" sz="3600" b="0" i="0" u="none" strike="noStrike" dirty="0">
+                            <a:rPr lang="en-US" sz="3400" b="0" i="0" u="none" strike="noStrike" dirty="0">
                               <a:solidFill>
                                 <a:srgbClr val="000000"/>
                               </a:solidFill>
@@ -10536,7 +10536,7 @@
                         <a:p>
                           <a:pPr algn="ctr" fontAlgn="b"/>
                           <a:r>
-                            <a:rPr lang="en-US" sz="3600" b="0" i="0" u="none" strike="noStrike" dirty="0">
+                            <a:rPr lang="en-US" sz="3400" b="0" i="0" u="none" strike="noStrike" dirty="0">
                               <a:solidFill>
                                 <a:srgbClr val="000000"/>
                               </a:solidFill>
@@ -10583,7 +10583,7 @@
                         <a:p>
                           <a:pPr algn="ctr" fontAlgn="b"/>
                           <a:r>
-                            <a:rPr lang="en-US" sz="3600" b="0" i="0" u="none" strike="noStrike" dirty="0">
+                            <a:rPr lang="en-US" sz="3400" b="0" i="0" u="none" strike="noStrike" dirty="0">
                               <a:solidFill>
                                 <a:srgbClr val="000000"/>
                               </a:solidFill>
@@ -10656,7 +10656,7 @@
               <p:nvPr>
                 <p:extLst>
                   <p:ext uri="{D42A27DB-BD31-4B8C-83A1-F6EECF244321}">
-                    <p14:modId xmlns:p14="http://schemas.microsoft.com/office/powerpoint/2010/main" val="3470495556"/>
+                    <p14:modId xmlns:p14="http://schemas.microsoft.com/office/powerpoint/2010/main" val="706077397"/>
                   </p:ext>
                 </p:extLst>
               </p:nvPr>
@@ -11166,7 +11166,7 @@
                           <a:prstDash val="solid"/>
                         </a:lnBlToTr>
                         <a:blipFill>
-                          <a:blip r:embed="rId13"/>
+                          <a:blip r:embed="rId12"/>
                           <a:stretch>
                             <a:fillRect l="-252979" t="-119565" r="-1915" b="-1272826"/>
                           </a:stretch>
@@ -11279,7 +11279,7 @@
                         <a:p>
                           <a:pPr algn="ctr" fontAlgn="b"/>
                           <a:r>
-                            <a:rPr lang="en-US" sz="3600" b="0" i="0" u="none" strike="noStrike" dirty="0">
+                            <a:rPr lang="en-US" sz="3400" b="0" i="0" u="none" strike="noStrike" dirty="0">
                               <a:solidFill>
                                 <a:srgbClr val="000000"/>
                               </a:solidFill>
@@ -11332,7 +11332,7 @@
                         <a:p>
                           <a:pPr algn="ctr" fontAlgn="b"/>
                           <a:r>
-                            <a:rPr lang="en-US" sz="3600" b="0" i="0" u="none" strike="noStrike" dirty="0">
+                            <a:rPr lang="en-US" sz="3400" b="0" i="0" u="none" strike="noStrike" dirty="0">
                               <a:solidFill>
                                 <a:srgbClr val="000000"/>
                               </a:solidFill>
@@ -11385,7 +11385,7 @@
                         <a:p>
                           <a:pPr algn="ctr" fontAlgn="b"/>
                           <a:r>
-                            <a:rPr lang="en-US" sz="3600" b="0" i="0" u="none" strike="noStrike" dirty="0">
+                            <a:rPr lang="en-US" sz="3400" b="0" i="0" u="none" strike="noStrike" dirty="0">
                               <a:solidFill>
                                 <a:srgbClr val="000000"/>
                               </a:solidFill>
@@ -11510,7 +11510,7 @@
                         <a:p>
                           <a:pPr algn="ctr" fontAlgn="b"/>
                           <a:r>
-                            <a:rPr lang="en-US" sz="3600" b="0" i="0" u="none" strike="noStrike" dirty="0">
+                            <a:rPr lang="en-US" sz="3400" b="0" i="0" u="none" strike="noStrike" dirty="0">
                               <a:solidFill>
                                 <a:srgbClr val="000000"/>
                               </a:solidFill>
@@ -11563,7 +11563,7 @@
                         <a:p>
                           <a:pPr algn="ctr" fontAlgn="b"/>
                           <a:r>
-                            <a:rPr lang="en-US" sz="3600" b="0" i="0" u="none" strike="noStrike" dirty="0">
+                            <a:rPr lang="en-US" sz="3400" b="0" i="0" u="none" strike="noStrike" dirty="0">
                               <a:solidFill>
                                 <a:srgbClr val="000000"/>
                               </a:solidFill>
@@ -11616,7 +11616,7 @@
                         <a:p>
                           <a:pPr algn="ctr" fontAlgn="b"/>
                           <a:r>
-                            <a:rPr lang="en-US" sz="3600" b="0" i="0" u="none" strike="noStrike" dirty="0">
+                            <a:rPr lang="en-US" sz="3400" b="0" i="0" u="none" strike="noStrike" dirty="0">
                               <a:solidFill>
                                 <a:srgbClr val="000000"/>
                               </a:solidFill>
@@ -11689,7 +11689,7 @@
                               <a:effectLst/>
                               <a:latin typeface="+mn-lt"/>
                             </a:rPr>
-                            <a:t>ADVI / </a:t>
+                            <a:t>ADVI/</a:t>
                           </a:r>
                           <a:r>
                             <a:rPr lang="el-GR" sz="3600" b="1" i="0" u="none" strike="noStrike" dirty="0">
@@ -11752,7 +11752,7 @@
                         <a:p>
                           <a:pPr algn="ctr" fontAlgn="b"/>
                           <a:r>
-                            <a:rPr lang="en-US" sz="3600" b="0" i="0" u="none" strike="noStrike" dirty="0">
+                            <a:rPr lang="en-US" sz="3400" b="0" i="0" u="none" strike="noStrike" dirty="0">
                               <a:solidFill>
                                 <a:srgbClr val="000000"/>
                               </a:solidFill>
@@ -11799,7 +11799,7 @@
                         <a:p>
                           <a:pPr algn="ctr" fontAlgn="b"/>
                           <a:r>
-                            <a:rPr lang="en-US" sz="3600" b="0" i="0" u="none" strike="noStrike" dirty="0">
+                            <a:rPr lang="en-US" sz="3400" b="0" i="0" u="none" strike="noStrike" dirty="0">
                               <a:solidFill>
                                 <a:srgbClr val="000000"/>
                               </a:solidFill>
@@ -11846,7 +11846,7 @@
                         <a:p>
                           <a:pPr algn="ctr" fontAlgn="b"/>
                           <a:r>
-                            <a:rPr lang="en-US" sz="3600" b="0" i="0" u="none" strike="noStrike" dirty="0">
+                            <a:rPr lang="en-US" sz="3400" b="0" i="0" u="none" strike="noStrike" dirty="0">
                               <a:solidFill>
                                 <a:srgbClr val="000000"/>
                               </a:solidFill>
@@ -11913,7 +11913,7 @@
                               <a:effectLst/>
                               <a:latin typeface="+mn-lt"/>
                             </a:rPr>
-                            <a:t>ADVI / </a:t>
+                            <a:t>ADVI/</a:t>
                           </a:r>
                           <a:r>
                             <a:rPr lang="el-GR" sz="3600" b="1" i="0" u="none" strike="noStrike" dirty="0">
@@ -11974,7 +11974,7 @@
                         <a:p>
                           <a:pPr algn="ctr" fontAlgn="b"/>
                           <a:r>
-                            <a:rPr lang="en-US" sz="3600" b="0" i="0" u="none" strike="noStrike" dirty="0">
+                            <a:rPr lang="en-US" sz="3400" b="0" i="0" u="none" strike="noStrike" dirty="0">
                               <a:solidFill>
                                 <a:srgbClr val="000000"/>
                               </a:solidFill>
@@ -12015,7 +12015,7 @@
                         <a:p>
                           <a:pPr algn="ctr" fontAlgn="b"/>
                           <a:r>
-                            <a:rPr lang="en-US" sz="3600" b="0" i="0" u="none" strike="noStrike" dirty="0">
+                            <a:rPr lang="en-US" sz="3400" b="0" i="0" u="none" strike="noStrike" dirty="0">
                               <a:solidFill>
                                 <a:srgbClr val="000000"/>
                               </a:solidFill>
@@ -12056,7 +12056,7 @@
                         <a:p>
                           <a:pPr algn="ctr" fontAlgn="b"/>
                           <a:r>
-                            <a:rPr lang="en-US" sz="3600" b="0" i="0" u="none" strike="noStrike" dirty="0">
+                            <a:rPr lang="en-US" sz="3400" b="0" i="0" u="none" strike="noStrike" dirty="0">
                               <a:solidFill>
                                 <a:srgbClr val="000000"/>
                               </a:solidFill>
@@ -12178,7 +12178,7 @@
                         <a:p>
                           <a:pPr algn="ctr" fontAlgn="b"/>
                           <a:r>
-                            <a:rPr lang="en-US" sz="3600" b="0" i="0" u="none" strike="noStrike">
+                            <a:rPr lang="en-US" sz="3400" b="0" i="0" u="none" strike="noStrike">
                               <a:solidFill>
                                 <a:srgbClr val="000000"/>
                               </a:solidFill>
@@ -12219,7 +12219,7 @@
                         <a:p>
                           <a:pPr algn="ctr" fontAlgn="b"/>
                           <a:r>
-                            <a:rPr lang="en-US" sz="3600" b="0" i="0" u="none" strike="noStrike" dirty="0">
+                            <a:rPr lang="en-US" sz="3400" b="0" i="0" u="none" strike="noStrike" dirty="0">
                               <a:solidFill>
                                 <a:srgbClr val="000000"/>
                               </a:solidFill>
@@ -12260,7 +12260,7 @@
                         <a:p>
                           <a:pPr algn="ctr" fontAlgn="b"/>
                           <a:r>
-                            <a:rPr lang="en-US" sz="3600" b="0" i="0" u="none" strike="noStrike" dirty="0">
+                            <a:rPr lang="en-US" sz="3400" b="0" i="0" u="none" strike="noStrike" dirty="0">
                               <a:solidFill>
                                 <a:srgbClr val="000000"/>
                               </a:solidFill>
@@ -12385,7 +12385,7 @@
                         <a:p>
                           <a:pPr algn="ctr" fontAlgn="b"/>
                           <a:r>
-                            <a:rPr lang="en-US" sz="3600" b="0" i="0" u="none" strike="noStrike" dirty="0">
+                            <a:rPr lang="en-US" sz="3400" b="0" i="0" u="none" strike="noStrike" dirty="0">
                               <a:solidFill>
                                 <a:srgbClr val="000000"/>
                               </a:solidFill>
@@ -12426,7 +12426,7 @@
                         <a:p>
                           <a:pPr algn="ctr" fontAlgn="b"/>
                           <a:r>
-                            <a:rPr lang="en-US" sz="3600" b="0" i="0" u="none" strike="noStrike" dirty="0">
+                            <a:rPr lang="en-US" sz="3400" b="0" i="0" u="none" strike="noStrike" dirty="0">
                               <a:solidFill>
                                 <a:srgbClr val="000000"/>
                               </a:solidFill>
@@ -12467,7 +12467,7 @@
                         <a:p>
                           <a:pPr algn="ctr" fontAlgn="b"/>
                           <a:r>
-                            <a:rPr lang="en-US" sz="3600" b="0" i="0" u="none" strike="noStrike" dirty="0">
+                            <a:rPr lang="en-US" sz="3400" b="0" i="0" u="none" strike="noStrike" dirty="0">
                               <a:solidFill>
                                 <a:srgbClr val="000000"/>
                               </a:solidFill>
@@ -12589,7 +12589,7 @@
                         <a:p>
                           <a:pPr algn="ctr" fontAlgn="b"/>
                           <a:r>
-                            <a:rPr lang="en-US" sz="3600" b="0" i="0" u="none" strike="noStrike">
+                            <a:rPr lang="en-US" sz="3400" b="0" i="0" u="none" strike="noStrike">
                               <a:solidFill>
                                 <a:srgbClr val="000000"/>
                               </a:solidFill>
@@ -12630,7 +12630,7 @@
                         <a:p>
                           <a:pPr algn="ctr" fontAlgn="b"/>
                           <a:r>
-                            <a:rPr lang="en-US" sz="3600" b="0" i="0" u="none" strike="noStrike" dirty="0">
+                            <a:rPr lang="en-US" sz="3400" b="0" i="0" u="none" strike="noStrike" dirty="0">
                               <a:solidFill>
                                 <a:srgbClr val="000000"/>
                               </a:solidFill>
@@ -12671,7 +12671,7 @@
                         <a:p>
                           <a:pPr algn="ctr" fontAlgn="b"/>
                           <a:r>
-                            <a:rPr lang="en-US" sz="3600" b="0" i="0" u="none" strike="noStrike" dirty="0">
+                            <a:rPr lang="en-US" sz="3400" b="0" i="0" u="none" strike="noStrike" dirty="0">
                               <a:solidFill>
                                 <a:srgbClr val="000000"/>
                               </a:solidFill>
@@ -12799,7 +12799,7 @@
                         <a:p>
                           <a:pPr algn="ctr" fontAlgn="b"/>
                           <a:r>
-                            <a:rPr lang="en-US" sz="3600" b="0" i="0" u="none" strike="noStrike" dirty="0">
+                            <a:rPr lang="en-US" sz="3400" b="0" i="0" u="none" strike="noStrike" dirty="0">
                               <a:solidFill>
                                 <a:srgbClr val="000000"/>
                               </a:solidFill>
@@ -12846,7 +12846,7 @@
                         <a:p>
                           <a:pPr algn="ctr" fontAlgn="b"/>
                           <a:r>
-                            <a:rPr lang="en-US" sz="3600" b="0" i="0" u="none" strike="noStrike" dirty="0">
+                            <a:rPr lang="en-US" sz="3400" b="0" i="0" u="none" strike="noStrike" dirty="0">
                               <a:solidFill>
                                 <a:srgbClr val="000000"/>
                               </a:solidFill>
@@ -12893,7 +12893,7 @@
                         <a:p>
                           <a:pPr algn="ctr" fontAlgn="b"/>
                           <a:r>
-                            <a:rPr lang="en-US" sz="3600" b="0" i="0" u="none" strike="noStrike" dirty="0">
+                            <a:rPr lang="en-US" sz="3400" b="0" i="0" u="none" strike="noStrike" dirty="0">
                               <a:solidFill>
                                 <a:srgbClr val="000000"/>
                               </a:solidFill>
@@ -13070,7 +13070,7 @@
           <p:nvPr/>
         </p:nvPicPr>
         <p:blipFill>
-          <a:blip r:embed="rId14"/>
+          <a:blip r:embed="rId13"/>
           <a:srcRect/>
           <a:stretch/>
         </p:blipFill>
@@ -13099,13 +13099,13 @@
           <p:nvPr/>
         </p:nvPicPr>
         <p:blipFill>
-          <a:blip r:embed="rId15"/>
+          <a:blip r:embed="rId14"/>
           <a:srcRect/>
           <a:stretch/>
         </p:blipFill>
         <p:spPr>
           <a:xfrm>
-            <a:off x="6381475" y="11096754"/>
+            <a:off x="6381475" y="11109454"/>
             <a:ext cx="3711557" cy="2941586"/>
           </a:xfrm>
           <a:prstGeom prst="rect">
@@ -13974,6 +13974,21 @@
 </file>
 
 <file path=customXml/item1.xml><?xml version="1.0" encoding="utf-8"?>
+<?mso-contentType ?>
+<FormTemplates xmlns="http://schemas.microsoft.com/sharepoint/v3/contenttype/forms">
+  <Display>DocumentLibraryForm</Display>
+  <Edit>DocumentLibraryForm</Edit>
+  <New>DocumentLibraryForm</New>
+</FormTemplates>
+</file>
+
+<file path=customXml/item2.xml><?xml version="1.0" encoding="utf-8"?>
+<p:properties xmlns:p="http://schemas.microsoft.com/office/2006/metadata/properties" xmlns:xsi="http://www.w3.org/2001/XMLSchema-instance" xmlns:pc="http://schemas.microsoft.com/office/infopath/2007/PartnerControls">
+  <documentManagement/>
+</p:properties>
+</file>
+
+<file path=customXml/item3.xml><?xml version="1.0" encoding="utf-8"?>
 <ct:contentTypeSchema xmlns:ct="http://schemas.microsoft.com/office/2006/metadata/contentType" xmlns:ma="http://schemas.microsoft.com/office/2006/metadata/properties/metaAttributes" ct:_="" ma:_="" ma:contentTypeName="Document" ma:contentTypeID="0x010100579CCDD9754E9B40B13882595ECD5F7A" ma:contentTypeVersion="0" ma:contentTypeDescription="Create a new document." ma:contentTypeScope="" ma:versionID="48ffdc5cb6ca8bf97cbe1bd0206e10b7">
   <xsd:schema xmlns:xsd="http://www.w3.org/2001/XMLSchema" xmlns:xs="http://www.w3.org/2001/XMLSchema" xmlns:p="http://schemas.microsoft.com/office/2006/metadata/properties" targetNamespace="http://schemas.microsoft.com/office/2006/metadata/properties" ma:root="true" ma:fieldsID="1b05d82d297216baf5b26c55225140df">
     <xsd:element name="properties">
@@ -14087,33 +14102,10 @@
 </ct:contentTypeSchema>
 </file>
 
-<file path=customXml/item2.xml><?xml version="1.0" encoding="utf-8"?>
-<p:properties xmlns:p="http://schemas.microsoft.com/office/2006/metadata/properties" xmlns:xsi="http://www.w3.org/2001/XMLSchema-instance" xmlns:pc="http://schemas.microsoft.com/office/infopath/2007/PartnerControls">
-  <documentManagement/>
-</p:properties>
-</file>
-
-<file path=customXml/item3.xml><?xml version="1.0" encoding="utf-8"?>
-<?mso-contentType ?>
-<FormTemplates xmlns="http://schemas.microsoft.com/sharepoint/v3/contenttype/forms">
-  <Display>DocumentLibraryForm</Display>
-  <Edit>DocumentLibraryForm</Edit>
-  <New>DocumentLibraryForm</New>
-</FormTemplates>
-</file>
-
 <file path=customXml/itemProps1.xml><?xml version="1.0" encoding="utf-8"?>
-<ds:datastoreItem xmlns:ds="http://schemas.openxmlformats.org/officeDocument/2006/customXml" ds:itemID="{5421B56A-5C82-479A-80D0-662CC28B937B}">
+<ds:datastoreItem xmlns:ds="http://schemas.openxmlformats.org/officeDocument/2006/customXml" ds:itemID="{A14B8143-C3D6-460D-830C-A8DBEE85511A}">
   <ds:schemaRefs>
-    <ds:schemaRef ds:uri="http://schemas.microsoft.com/office/2006/metadata/contentType"/>
-    <ds:schemaRef ds:uri="http://schemas.microsoft.com/office/2006/metadata/properties/metaAttributes"/>
-    <ds:schemaRef ds:uri="http://www.w3.org/2001/XMLSchema"/>
-    <ds:schemaRef ds:uri="http://schemas.microsoft.com/office/2006/metadata/properties"/>
-    <ds:schemaRef ds:uri="http://schemas.openxmlformats.org/package/2006/metadata/core-properties"/>
-    <ds:schemaRef ds:uri="http://purl.org/dc/elements/1.1/"/>
-    <ds:schemaRef ds:uri="http://purl.org/dc/terms/"/>
-    <ds:schemaRef ds:uri="http://schemas.microsoft.com/internal/obd"/>
-    <ds:schemaRef ds:uri="http://schemas.microsoft.com/office/infopath/2007/PartnerControls"/>
+    <ds:schemaRef ds:uri="http://schemas.microsoft.com/sharepoint/v3/contenttype/forms"/>
   </ds:schemaRefs>
 </ds:datastoreItem>
 </file>
@@ -14134,9 +14126,17 @@
 </file>
 
 <file path=customXml/itemProps3.xml><?xml version="1.0" encoding="utf-8"?>
-<ds:datastoreItem xmlns:ds="http://schemas.openxmlformats.org/officeDocument/2006/customXml" ds:itemID="{A14B8143-C3D6-460D-830C-A8DBEE85511A}">
+<ds:datastoreItem xmlns:ds="http://schemas.openxmlformats.org/officeDocument/2006/customXml" ds:itemID="{5421B56A-5C82-479A-80D0-662CC28B937B}">
   <ds:schemaRefs>
-    <ds:schemaRef ds:uri="http://schemas.microsoft.com/sharepoint/v3/contenttype/forms"/>
+    <ds:schemaRef ds:uri="http://schemas.microsoft.com/office/2006/metadata/contentType"/>
+    <ds:schemaRef ds:uri="http://schemas.microsoft.com/office/2006/metadata/properties/metaAttributes"/>
+    <ds:schemaRef ds:uri="http://www.w3.org/2001/XMLSchema"/>
+    <ds:schemaRef ds:uri="http://schemas.microsoft.com/office/2006/metadata/properties"/>
+    <ds:schemaRef ds:uri="http://schemas.openxmlformats.org/package/2006/metadata/core-properties"/>
+    <ds:schemaRef ds:uri="http://purl.org/dc/elements/1.1/"/>
+    <ds:schemaRef ds:uri="http://purl.org/dc/terms/"/>
+    <ds:schemaRef ds:uri="http://schemas.microsoft.com/internal/obd"/>
+    <ds:schemaRef ds:uri="http://schemas.microsoft.com/office/infopath/2007/PartnerControls"/>
   </ds:schemaRefs>
 </ds:datastoreItem>
 </file>
--- a/SMEP_2024.pptx
+++ b/SMEP_2024.pptx
@@ -3600,7 +3600,7 @@
               <p:nvPr>
                 <p:extLst>
                   <p:ext uri="{D42A27DB-BD31-4B8C-83A1-F6EECF244321}">
-                    <p14:modId xmlns:p14="http://schemas.microsoft.com/office/powerpoint/2010/main" val="3133385155"/>
+                    <p14:modId xmlns:p14="http://schemas.microsoft.com/office/powerpoint/2010/main" val="4099072734"/>
                   </p:ext>
                 </p:extLst>
               </p:nvPr>
@@ -3665,8 +3665,35 @@
                               <a:ea typeface="Roboto Bold" panose="02000000000000000000" pitchFamily="2" charset="0"/>
                               <a:cs typeface="Roboto Bold" panose="02000000000000000000" pitchFamily="2" charset="0"/>
                             </a:rPr>
-                            <a:t>2PL</a:t>
-                          </a:r>
+                            <a:t>2PL </a:t>
+                          </a:r>
+                          <a:r>
+                            <a:rPr lang="el-GR" sz="3400" b="1" u="sng" dirty="0">
+                              <a:ln>
+                                <a:noFill/>
+                                <a:prstDash val="dash"/>
+                              </a:ln>
+                              <a:solidFill>
+                                <a:schemeClr val="tx1"/>
+                              </a:solidFill>
+                              <a:latin typeface="Roboto" panose="02000000000000000000" pitchFamily="2" charset="0"/>
+                              <a:ea typeface="Roboto" panose="02000000000000000000" pitchFamily="2" charset="0"/>
+                              <a:cs typeface="Roboto" panose="02000000000000000000" pitchFamily="2" charset="0"/>
+                            </a:rPr>
+                            <a:t>λ</a:t>
+                          </a:r>
+                          <a:endParaRPr lang="en-US" sz="3400" b="1" u="sng" dirty="0">
+                            <a:ln>
+                              <a:noFill/>
+                              <a:prstDash val="dash"/>
+                            </a:ln>
+                            <a:solidFill>
+                              <a:schemeClr val="tx1"/>
+                            </a:solidFill>
+                            <a:latin typeface="Roboto Bold" panose="02000000000000000000" pitchFamily="2" charset="0"/>
+                            <a:ea typeface="Roboto Bold" panose="02000000000000000000" pitchFamily="2" charset="0"/>
+                            <a:cs typeface="Roboto Bold" panose="02000000000000000000" pitchFamily="2" charset="0"/>
+                          </a:endParaRPr>
                         </a:p>
                       </a:txBody>
                       <a:tcPr marL="0" marR="0" marT="0" marB="0" anchor="ctr">
@@ -5972,7 +5999,7 @@
               <p:nvPr>
                 <p:extLst>
                   <p:ext uri="{D42A27DB-BD31-4B8C-83A1-F6EECF244321}">
-                    <p14:modId xmlns:p14="http://schemas.microsoft.com/office/powerpoint/2010/main" val="3133385155"/>
+                    <p14:modId xmlns:p14="http://schemas.microsoft.com/office/powerpoint/2010/main" val="4099072734"/>
                   </p:ext>
                 </p:extLst>
               </p:nvPr>
@@ -6037,8 +6064,35 @@
                               <a:ea typeface="Roboto Bold" panose="02000000000000000000" pitchFamily="2" charset="0"/>
                               <a:cs typeface="Roboto Bold" panose="02000000000000000000" pitchFamily="2" charset="0"/>
                             </a:rPr>
-                            <a:t>2PL</a:t>
-                          </a:r>
+                            <a:t>2PL </a:t>
+                          </a:r>
+                          <a:r>
+                            <a:rPr lang="el-GR" sz="3400" b="1" u="sng" dirty="0">
+                              <a:ln>
+                                <a:noFill/>
+                                <a:prstDash val="dash"/>
+                              </a:ln>
+                              <a:solidFill>
+                                <a:schemeClr val="tx1"/>
+                              </a:solidFill>
+                              <a:latin typeface="Roboto" panose="02000000000000000000" pitchFamily="2" charset="0"/>
+                              <a:ea typeface="Roboto" panose="02000000000000000000" pitchFamily="2" charset="0"/>
+                              <a:cs typeface="Roboto" panose="02000000000000000000" pitchFamily="2" charset="0"/>
+                            </a:rPr>
+                            <a:t>λ</a:t>
+                          </a:r>
+                          <a:endParaRPr lang="en-US" sz="3400" b="1" u="sng" dirty="0">
+                            <a:ln>
+                              <a:noFill/>
+                              <a:prstDash val="dash"/>
+                            </a:ln>
+                            <a:solidFill>
+                              <a:schemeClr val="tx1"/>
+                            </a:solidFill>
+                            <a:latin typeface="Roboto Bold" panose="02000000000000000000" pitchFamily="2" charset="0"/>
+                            <a:ea typeface="Roboto Bold" panose="02000000000000000000" pitchFamily="2" charset="0"/>
+                            <a:cs typeface="Roboto Bold" panose="02000000000000000000" pitchFamily="2" charset="0"/>
+                          </a:endParaRPr>
                         </a:p>
                       </a:txBody>
                       <a:tcPr marL="0" marR="0" marT="0" marB="0" anchor="ctr">
@@ -8273,7 +8327,7 @@
               <p:nvPr>
                 <p:extLst>
                   <p:ext uri="{D42A27DB-BD31-4B8C-83A1-F6EECF244321}">
-                    <p14:modId xmlns:p14="http://schemas.microsoft.com/office/powerpoint/2010/main" val="706077397"/>
+                    <p14:modId xmlns:p14="http://schemas.microsoft.com/office/powerpoint/2010/main" val="3503258101"/>
                   </p:ext>
                 </p:extLst>
               </p:nvPr>
@@ -8338,7 +8392,22 @@
                               <a:ea typeface="Roboto Bold" panose="02000000000000000000" pitchFamily="2" charset="0"/>
                               <a:cs typeface="Roboto Bold" panose="02000000000000000000" pitchFamily="2" charset="0"/>
                             </a:rPr>
-                            <a:t>Bifactor</a:t>
+                            <a:t>Bifactor </a:t>
+                          </a:r>
+                          <a:r>
+                            <a:rPr lang="el-GR" sz="3400" b="1" u="sng">
+                              <a:ln>
+                                <a:noFill/>
+                                <a:prstDash val="dash"/>
+                              </a:ln>
+                              <a:solidFill>
+                                <a:schemeClr val="tx1"/>
+                              </a:solidFill>
+                              <a:latin typeface="Roboto" panose="02000000000000000000" pitchFamily="2" charset="0"/>
+                              <a:ea typeface="Roboto" panose="02000000000000000000" pitchFamily="2" charset="0"/>
+                              <a:cs typeface="Roboto" panose="02000000000000000000" pitchFamily="2" charset="0"/>
+                            </a:rPr>
+                            <a:t>λ</a:t>
                           </a:r>
                           <a:endParaRPr lang="en-US" sz="3400" b="1" u="sng" dirty="0">
                             <a:ln>
@@ -10656,7 +10725,7 @@
               <p:nvPr>
                 <p:extLst>
                   <p:ext uri="{D42A27DB-BD31-4B8C-83A1-F6EECF244321}">
-                    <p14:modId xmlns:p14="http://schemas.microsoft.com/office/powerpoint/2010/main" val="706077397"/>
+                    <p14:modId xmlns:p14="http://schemas.microsoft.com/office/powerpoint/2010/main" val="3503258101"/>
                   </p:ext>
                 </p:extLst>
               </p:nvPr>
@@ -10721,7 +10790,22 @@
                               <a:ea typeface="Roboto Bold" panose="02000000000000000000" pitchFamily="2" charset="0"/>
                               <a:cs typeface="Roboto Bold" panose="02000000000000000000" pitchFamily="2" charset="0"/>
                             </a:rPr>
-                            <a:t>Bifactor</a:t>
+                            <a:t>Bifactor </a:t>
+                          </a:r>
+                          <a:r>
+                            <a:rPr lang="el-GR" sz="3400" b="1" u="sng">
+                              <a:ln>
+                                <a:noFill/>
+                                <a:prstDash val="dash"/>
+                              </a:ln>
+                              <a:solidFill>
+                                <a:schemeClr val="tx1"/>
+                              </a:solidFill>
+                              <a:latin typeface="Roboto" panose="02000000000000000000" pitchFamily="2" charset="0"/>
+                              <a:ea typeface="Roboto" panose="02000000000000000000" pitchFamily="2" charset="0"/>
+                              <a:cs typeface="Roboto" panose="02000000000000000000" pitchFamily="2" charset="0"/>
+                            </a:rPr>
+                            <a:t>λ</a:t>
                           </a:r>
                           <a:endParaRPr lang="en-US" sz="3400" b="1" u="sng" dirty="0">
                             <a:ln>
@@ -13974,21 +14058,6 @@
 </file>
 
 <file path=customXml/item1.xml><?xml version="1.0" encoding="utf-8"?>
-<?mso-contentType ?>
-<FormTemplates xmlns="http://schemas.microsoft.com/sharepoint/v3/contenttype/forms">
-  <Display>DocumentLibraryForm</Display>
-  <Edit>DocumentLibraryForm</Edit>
-  <New>DocumentLibraryForm</New>
-</FormTemplates>
-</file>
-
-<file path=customXml/item2.xml><?xml version="1.0" encoding="utf-8"?>
-<p:properties xmlns:p="http://schemas.microsoft.com/office/2006/metadata/properties" xmlns:xsi="http://www.w3.org/2001/XMLSchema-instance" xmlns:pc="http://schemas.microsoft.com/office/infopath/2007/PartnerControls">
-  <documentManagement/>
-</p:properties>
-</file>
-
-<file path=customXml/item3.xml><?xml version="1.0" encoding="utf-8"?>
 <ct:contentTypeSchema xmlns:ct="http://schemas.microsoft.com/office/2006/metadata/contentType" xmlns:ma="http://schemas.microsoft.com/office/2006/metadata/properties/metaAttributes" ct:_="" ma:_="" ma:contentTypeName="Document" ma:contentTypeID="0x010100579CCDD9754E9B40B13882595ECD5F7A" ma:contentTypeVersion="0" ma:contentTypeDescription="Create a new document." ma:contentTypeScope="" ma:versionID="48ffdc5cb6ca8bf97cbe1bd0206e10b7">
   <xsd:schema xmlns:xsd="http://www.w3.org/2001/XMLSchema" xmlns:xs="http://www.w3.org/2001/XMLSchema" xmlns:p="http://schemas.microsoft.com/office/2006/metadata/properties" targetNamespace="http://schemas.microsoft.com/office/2006/metadata/properties" ma:root="true" ma:fieldsID="1b05d82d297216baf5b26c55225140df">
     <xsd:element name="properties">
@@ -14102,10 +14171,33 @@
 </ct:contentTypeSchema>
 </file>
 
+<file path=customXml/item2.xml><?xml version="1.0" encoding="utf-8"?>
+<p:properties xmlns:p="http://schemas.microsoft.com/office/2006/metadata/properties" xmlns:xsi="http://www.w3.org/2001/XMLSchema-instance" xmlns:pc="http://schemas.microsoft.com/office/infopath/2007/PartnerControls">
+  <documentManagement/>
+</p:properties>
+</file>
+
+<file path=customXml/item3.xml><?xml version="1.0" encoding="utf-8"?>
+<?mso-contentType ?>
+<FormTemplates xmlns="http://schemas.microsoft.com/sharepoint/v3/contenttype/forms">
+  <Display>DocumentLibraryForm</Display>
+  <Edit>DocumentLibraryForm</Edit>
+  <New>DocumentLibraryForm</New>
+</FormTemplates>
+</file>
+
 <file path=customXml/itemProps1.xml><?xml version="1.0" encoding="utf-8"?>
-<ds:datastoreItem xmlns:ds="http://schemas.openxmlformats.org/officeDocument/2006/customXml" ds:itemID="{A14B8143-C3D6-460D-830C-A8DBEE85511A}">
+<ds:datastoreItem xmlns:ds="http://schemas.openxmlformats.org/officeDocument/2006/customXml" ds:itemID="{5421B56A-5C82-479A-80D0-662CC28B937B}">
   <ds:schemaRefs>
-    <ds:schemaRef ds:uri="http://schemas.microsoft.com/sharepoint/v3/contenttype/forms"/>
+    <ds:schemaRef ds:uri="http://schemas.microsoft.com/office/2006/metadata/contentType"/>
+    <ds:schemaRef ds:uri="http://schemas.microsoft.com/office/2006/metadata/properties/metaAttributes"/>
+    <ds:schemaRef ds:uri="http://www.w3.org/2001/XMLSchema"/>
+    <ds:schemaRef ds:uri="http://schemas.microsoft.com/office/2006/metadata/properties"/>
+    <ds:schemaRef ds:uri="http://schemas.openxmlformats.org/package/2006/metadata/core-properties"/>
+    <ds:schemaRef ds:uri="http://purl.org/dc/elements/1.1/"/>
+    <ds:schemaRef ds:uri="http://purl.org/dc/terms/"/>
+    <ds:schemaRef ds:uri="http://schemas.microsoft.com/internal/obd"/>
+    <ds:schemaRef ds:uri="http://schemas.microsoft.com/office/infopath/2007/PartnerControls"/>
   </ds:schemaRefs>
 </ds:datastoreItem>
 </file>
@@ -14126,17 +14218,9 @@
 </file>
 
 <file path=customXml/itemProps3.xml><?xml version="1.0" encoding="utf-8"?>
-<ds:datastoreItem xmlns:ds="http://schemas.openxmlformats.org/officeDocument/2006/customXml" ds:itemID="{5421B56A-5C82-479A-80D0-662CC28B937B}">
+<ds:datastoreItem xmlns:ds="http://schemas.openxmlformats.org/officeDocument/2006/customXml" ds:itemID="{A14B8143-C3D6-460D-830C-A8DBEE85511A}">
   <ds:schemaRefs>
-    <ds:schemaRef ds:uri="http://schemas.microsoft.com/office/2006/metadata/contentType"/>
-    <ds:schemaRef ds:uri="http://schemas.microsoft.com/office/2006/metadata/properties/metaAttributes"/>
-    <ds:schemaRef ds:uri="http://www.w3.org/2001/XMLSchema"/>
-    <ds:schemaRef ds:uri="http://schemas.microsoft.com/office/2006/metadata/properties"/>
-    <ds:schemaRef ds:uri="http://schemas.openxmlformats.org/package/2006/metadata/core-properties"/>
-    <ds:schemaRef ds:uri="http://purl.org/dc/elements/1.1/"/>
-    <ds:schemaRef ds:uri="http://purl.org/dc/terms/"/>
-    <ds:schemaRef ds:uri="http://schemas.microsoft.com/internal/obd"/>
-    <ds:schemaRef ds:uri="http://schemas.microsoft.com/office/infopath/2007/PartnerControls"/>
+    <ds:schemaRef ds:uri="http://schemas.microsoft.com/sharepoint/v3/contenttype/forms"/>
   </ds:schemaRefs>
 </ds:datastoreItem>
 </file>
--- a/SMEP_2024.pptx
+++ b/SMEP_2024.pptx
@@ -1788,8 +1788,8 @@
           </a:p>
         </p:txBody>
       </p:sp>
-      <mc:AlternateContent xmlns:mc="http://schemas.openxmlformats.org/markup-compatibility/2006" xmlns:a14="http://schemas.microsoft.com/office/drawing/2010/main">
-        <mc:Choice Requires="a14">
+      <mc:AlternateContent xmlns:mc="http://schemas.openxmlformats.org/markup-compatibility/2006">
+        <mc:Choice xmlns:a14="http://schemas.microsoft.com/office/drawing/2010/main" Requires="a14">
           <p:sp>
             <p:nvSpPr>
               <p:cNvPr id="119" name="Text Placeholder 14">
@@ -2026,7 +2026,7 @@
                 </a:pPr>
                 <a:r>
                   <a:rPr lang="en-US" sz="3700" dirty="0"/>
-                  <a:t>Appears in Bayesian item response models that parameterize factor loadings </a:t>
+                  <a:t>Issue arises in Bayesian item response models that parameterize factor loadings </a:t>
                 </a:r>
                 <a14:m>
                   <m:oMath xmlns:m="http://schemas.openxmlformats.org/officeDocument/2006/math">
@@ -2158,7 +2158,7 @@
             </p:txBody>
           </p:sp>
         </mc:Choice>
-        <mc:Fallback xmlns="">
+        <mc:Fallback>
           <p:sp>
             <p:nvSpPr>
               <p:cNvPr id="119" name="Text Placeholder 14">
@@ -2245,8 +2245,8 @@
           </a:fontRef>
         </p:style>
       </p:cxnSp>
-      <mc:AlternateContent xmlns:mc="http://schemas.openxmlformats.org/markup-compatibility/2006" xmlns:a14="http://schemas.microsoft.com/office/drawing/2010/main">
-        <mc:Choice Requires="a14">
+      <mc:AlternateContent xmlns:mc="http://schemas.openxmlformats.org/markup-compatibility/2006">
+        <mc:Choice xmlns:a14="http://schemas.microsoft.com/office/drawing/2010/main" Requires="a14">
           <p:sp>
             <p:nvSpPr>
               <p:cNvPr id="173" name="Graphic Elements">
@@ -2464,7 +2464,15 @@
                 </a:pPr>
                 <a:r>
                   <a:rPr lang="en-US" sz="3700" dirty="0"/>
-                  <a:t>Parameters sampled with the NUTS algorithm in Stan (</a:t>
+                  <a:t>Parameters sampled with the NUTS algorithm in </a:t>
+                </a:r>
+                <a:r>
+                  <a:rPr lang="en-US" sz="3700" i="1" dirty="0"/>
+                  <a:t>Stan</a:t>
+                </a:r>
+                <a:r>
+                  <a:rPr lang="en-US" sz="3700" dirty="0"/>
+                  <a:t> (</a:t>
                 </a:r>
                 <a:r>
                   <a:rPr lang="en-US" sz="3700" dirty="0" err="1"/>
@@ -2621,7 +2629,7 @@
             </p:txBody>
           </p:sp>
         </mc:Choice>
-        <mc:Fallback xmlns="">
+        <mc:Fallback>
           <p:sp>
             <p:nvSpPr>
               <p:cNvPr id="173" name="Graphic Elements">
@@ -3583,8 +3591,8 @@
           </a:prstGeom>
         </p:spPr>
       </p:pic>
-      <mc:AlternateContent xmlns:mc="http://schemas.openxmlformats.org/markup-compatibility/2006">
-        <mc:Choice xmlns:a14="http://schemas.microsoft.com/office/drawing/2010/main" Requires="a14">
+      <mc:AlternateContent xmlns:mc="http://schemas.openxmlformats.org/markup-compatibility/2006" xmlns:a14="http://schemas.microsoft.com/office/drawing/2010/main">
+        <mc:Choice Requires="a14">
           <p:graphicFrame>
             <p:nvGraphicFramePr>
               <p:cNvPr id="46" name="Data Table " descr="This table is a placeholder. Please add your own alt text. ">
@@ -5983,7 +5991,7 @@
             </a:graphic>
           </p:graphicFrame>
         </mc:Choice>
-        <mc:Fallback>
+        <mc:Fallback xmlns="">
           <p:graphicFrame>
             <p:nvGraphicFramePr>
               <p:cNvPr id="46" name="Data Table " descr="This table is a placeholder. Please add your own alt text. ">
@@ -8310,8 +8318,8 @@
           </p:graphicFrame>
         </mc:Fallback>
       </mc:AlternateContent>
-      <mc:AlternateContent xmlns:mc="http://schemas.openxmlformats.org/markup-compatibility/2006">
-        <mc:Choice xmlns:a14="http://schemas.microsoft.com/office/drawing/2010/main" Requires="a14">
+      <mc:AlternateContent xmlns:mc="http://schemas.openxmlformats.org/markup-compatibility/2006" xmlns:a14="http://schemas.microsoft.com/office/drawing/2010/main">
+        <mc:Choice Requires="a14">
           <p:graphicFrame>
             <p:nvGraphicFramePr>
               <p:cNvPr id="49" name="Data Table " descr="This table is a placeholder. Please add your own alt text. ">
@@ -10709,7 +10717,7 @@
             </a:graphic>
           </p:graphicFrame>
         </mc:Choice>
-        <mc:Fallback>
+        <mc:Fallback xmlns="">
           <p:graphicFrame>
             <p:nvGraphicFramePr>
               <p:cNvPr id="49" name="Data Table " descr="This table is a placeholder. Please add your own alt text. ">
@@ -14058,6 +14066,21 @@
 </file>
 
 <file path=customXml/item1.xml><?xml version="1.0" encoding="utf-8"?>
+<?mso-contentType ?>
+<FormTemplates xmlns="http://schemas.microsoft.com/sharepoint/v3/contenttype/forms">
+  <Display>DocumentLibraryForm</Display>
+  <Edit>DocumentLibraryForm</Edit>
+  <New>DocumentLibraryForm</New>
+</FormTemplates>
+</file>
+
+<file path=customXml/item2.xml><?xml version="1.0" encoding="utf-8"?>
+<p:properties xmlns:p="http://schemas.microsoft.com/office/2006/metadata/properties" xmlns:xsi="http://www.w3.org/2001/XMLSchema-instance" xmlns:pc="http://schemas.microsoft.com/office/infopath/2007/PartnerControls">
+  <documentManagement/>
+</p:properties>
+</file>
+
+<file path=customXml/item3.xml><?xml version="1.0" encoding="utf-8"?>
 <ct:contentTypeSchema xmlns:ct="http://schemas.microsoft.com/office/2006/metadata/contentType" xmlns:ma="http://schemas.microsoft.com/office/2006/metadata/properties/metaAttributes" ct:_="" ma:_="" ma:contentTypeName="Document" ma:contentTypeID="0x010100579CCDD9754E9B40B13882595ECD5F7A" ma:contentTypeVersion="0" ma:contentTypeDescription="Create a new document." ma:contentTypeScope="" ma:versionID="48ffdc5cb6ca8bf97cbe1bd0206e10b7">
   <xsd:schema xmlns:xsd="http://www.w3.org/2001/XMLSchema" xmlns:xs="http://www.w3.org/2001/XMLSchema" xmlns:p="http://schemas.microsoft.com/office/2006/metadata/properties" targetNamespace="http://schemas.microsoft.com/office/2006/metadata/properties" ma:root="true" ma:fieldsID="1b05d82d297216baf5b26c55225140df">
     <xsd:element name="properties">
@@ -14171,22 +14194,30 @@
 </ct:contentTypeSchema>
 </file>
 
-<file path=customXml/item2.xml><?xml version="1.0" encoding="utf-8"?>
-<p:properties xmlns:p="http://schemas.microsoft.com/office/2006/metadata/properties" xmlns:xsi="http://www.w3.org/2001/XMLSchema-instance" xmlns:pc="http://schemas.microsoft.com/office/infopath/2007/PartnerControls">
-  <documentManagement/>
-</p:properties>
+<file path=customXml/itemProps1.xml><?xml version="1.0" encoding="utf-8"?>
+<ds:datastoreItem xmlns:ds="http://schemas.openxmlformats.org/officeDocument/2006/customXml" ds:itemID="{A14B8143-C3D6-460D-830C-A8DBEE85511A}">
+  <ds:schemaRefs>
+    <ds:schemaRef ds:uri="http://schemas.microsoft.com/sharepoint/v3/contenttype/forms"/>
+  </ds:schemaRefs>
+</ds:datastoreItem>
 </file>
 
-<file path=customXml/item3.xml><?xml version="1.0" encoding="utf-8"?>
-<?mso-contentType ?>
-<FormTemplates xmlns="http://schemas.microsoft.com/sharepoint/v3/contenttype/forms">
-  <Display>DocumentLibraryForm</Display>
-  <Edit>DocumentLibraryForm</Edit>
-  <New>DocumentLibraryForm</New>
-</FormTemplates>
+<file path=customXml/itemProps2.xml><?xml version="1.0" encoding="utf-8"?>
+<ds:datastoreItem xmlns:ds="http://schemas.openxmlformats.org/officeDocument/2006/customXml" ds:itemID="{097FFD54-27B0-415C-8654-D843242BD071}">
+  <ds:schemaRefs>
+    <ds:schemaRef ds:uri="http://schemas.microsoft.com/office/2006/documentManagement/types"/>
+    <ds:schemaRef ds:uri="http://purl.org/dc/terms/"/>
+    <ds:schemaRef ds:uri="http://schemas.microsoft.com/office/2006/metadata/properties"/>
+    <ds:schemaRef ds:uri="http://purl.org/dc/elements/1.1/"/>
+    <ds:schemaRef ds:uri="http://purl.org/dc/dcmitype/"/>
+    <ds:schemaRef ds:uri="http://schemas.microsoft.com/office/infopath/2007/PartnerControls"/>
+    <ds:schemaRef ds:uri="http://schemas.openxmlformats.org/package/2006/metadata/core-properties"/>
+    <ds:schemaRef ds:uri="http://www.w3.org/XML/1998/namespace"/>
+  </ds:schemaRefs>
+</ds:datastoreItem>
 </file>
 
-<file path=customXml/itemProps1.xml><?xml version="1.0" encoding="utf-8"?>
+<file path=customXml/itemProps3.xml><?xml version="1.0" encoding="utf-8"?>
 <ds:datastoreItem xmlns:ds="http://schemas.openxmlformats.org/officeDocument/2006/customXml" ds:itemID="{5421B56A-5C82-479A-80D0-662CC28B937B}">
   <ds:schemaRefs>
     <ds:schemaRef ds:uri="http://schemas.microsoft.com/office/2006/metadata/contentType"/>
@@ -14200,27 +14231,4 @@
     <ds:schemaRef ds:uri="http://schemas.microsoft.com/office/infopath/2007/PartnerControls"/>
   </ds:schemaRefs>
 </ds:datastoreItem>
-</file>
-
-<file path=customXml/itemProps2.xml><?xml version="1.0" encoding="utf-8"?>
-<ds:datastoreItem xmlns:ds="http://schemas.openxmlformats.org/officeDocument/2006/customXml" ds:itemID="{097FFD54-27B0-415C-8654-D843242BD071}">
-  <ds:schemaRefs>
-    <ds:schemaRef ds:uri="http://schemas.microsoft.com/office/2006/metadata/properties"/>
-    <ds:schemaRef ds:uri="http://schemas.microsoft.com/office/2006/documentManagement/types"/>
-    <ds:schemaRef ds:uri="http://www.w3.org/XML/1998/namespace"/>
-    <ds:schemaRef ds:uri="http://purl.org/dc/elements/1.1/"/>
-    <ds:schemaRef ds:uri="http://purl.org/dc/dcmitype/"/>
-    <ds:schemaRef ds:uri="http://schemas.microsoft.com/office/infopath/2007/PartnerControls"/>
-    <ds:schemaRef ds:uri="http://schemas.openxmlformats.org/package/2006/metadata/core-properties"/>
-    <ds:schemaRef ds:uri="http://purl.org/dc/terms/"/>
-  </ds:schemaRefs>
-</ds:datastoreItem>
-</file>
-
-<file path=customXml/itemProps3.xml><?xml version="1.0" encoding="utf-8"?>
-<ds:datastoreItem xmlns:ds="http://schemas.openxmlformats.org/officeDocument/2006/customXml" ds:itemID="{A14B8143-C3D6-460D-830C-A8DBEE85511A}">
-  <ds:schemaRefs>
-    <ds:schemaRef ds:uri="http://schemas.microsoft.com/sharepoint/v3/contenttype/forms"/>
-  </ds:schemaRefs>
-</ds:datastoreItem>
 </file>
--- a/SMEP_2024.pptx
+++ b/SMEP_2024.pptx
@@ -1788,8 +1788,8 @@
           </a:p>
         </p:txBody>
       </p:sp>
-      <mc:AlternateContent xmlns:mc="http://schemas.openxmlformats.org/markup-compatibility/2006">
-        <mc:Choice xmlns:a14="http://schemas.microsoft.com/office/drawing/2010/main" Requires="a14">
+      <mc:AlternateContent xmlns:mc="http://schemas.openxmlformats.org/markup-compatibility/2006" xmlns:a14="http://schemas.microsoft.com/office/drawing/2010/main">
+        <mc:Choice Requires="a14">
           <p:sp>
             <p:nvSpPr>
               <p:cNvPr id="119" name="Text Placeholder 14">
@@ -2158,7 +2158,7 @@
             </p:txBody>
           </p:sp>
         </mc:Choice>
-        <mc:Fallback>
+        <mc:Fallback xmlns="">
           <p:sp>
             <p:nvSpPr>
               <p:cNvPr id="119" name="Text Placeholder 14">
@@ -2245,8 +2245,8 @@
           </a:fontRef>
         </p:style>
       </p:cxnSp>
-      <mc:AlternateContent xmlns:mc="http://schemas.openxmlformats.org/markup-compatibility/2006">
-        <mc:Choice xmlns:a14="http://schemas.microsoft.com/office/drawing/2010/main" Requires="a14">
+      <mc:AlternateContent xmlns:mc="http://schemas.openxmlformats.org/markup-compatibility/2006" xmlns:a14="http://schemas.microsoft.com/office/drawing/2010/main">
+        <mc:Choice Requires="a14">
           <p:sp>
             <p:nvSpPr>
               <p:cNvPr id="173" name="Graphic Elements">
@@ -2629,7 +2629,7 @@
             </p:txBody>
           </p:sp>
         </mc:Choice>
-        <mc:Fallback>
+        <mc:Fallback xmlns="">
           <p:sp>
             <p:nvSpPr>
               <p:cNvPr id="173" name="Graphic Elements">
@@ -3591,8 +3591,8 @@
           </a:prstGeom>
         </p:spPr>
       </p:pic>
-      <mc:AlternateContent xmlns:mc="http://schemas.openxmlformats.org/markup-compatibility/2006" xmlns:a14="http://schemas.microsoft.com/office/drawing/2010/main">
-        <mc:Choice Requires="a14">
+      <mc:AlternateContent xmlns:mc="http://schemas.openxmlformats.org/markup-compatibility/2006">
+        <mc:Choice xmlns:a14="http://schemas.microsoft.com/office/drawing/2010/main" Requires="a14">
           <p:graphicFrame>
             <p:nvGraphicFramePr>
               <p:cNvPr id="46" name="Data Table " descr="This table is a placeholder. Please add your own alt text. ">
@@ -3608,14 +3608,14 @@
               <p:nvPr>
                 <p:extLst>
                   <p:ext uri="{D42A27DB-BD31-4B8C-83A1-F6EECF244321}">
-                    <p14:modId xmlns:p14="http://schemas.microsoft.com/office/powerpoint/2010/main" val="4099072734"/>
+                    <p14:modId xmlns:p14="http://schemas.microsoft.com/office/powerpoint/2010/main" val="2795856040"/>
                   </p:ext>
                 </p:extLst>
               </p:nvPr>
             </p:nvGraphicFramePr>
             <p:xfrm>
               <a:off x="33549793" y="7200002"/>
-              <a:ext cx="10085592" cy="7332159"/>
+              <a:ext cx="10085592" cy="7334763"/>
             </p:xfrm>
             <a:graphic>
               <a:graphicData uri="http://schemas.openxmlformats.org/drawingml/2006/table">
@@ -3661,7 +3661,7 @@
                         <a:p>
                           <a:pPr algn="ctr"/>
                           <a:r>
-                            <a:rPr lang="en-US" sz="3400" b="1" u="sng" dirty="0">
+                            <a:rPr lang="en-US" sz="3400" b="1" u="none" dirty="0">
                               <a:ln>
                                 <a:noFill/>
                                 <a:prstDash val="dash"/>
@@ -3669,14 +3669,33 @@
                               <a:solidFill>
                                 <a:schemeClr val="tx1"/>
                               </a:solidFill>
-                              <a:latin typeface="Roboto Bold" panose="02000000000000000000" pitchFamily="2" charset="0"/>
+                              <a:latin typeface="Roboto Bold" panose="02000000000000000000"/>
                               <a:ea typeface="Roboto Bold" panose="02000000000000000000" pitchFamily="2" charset="0"/>
                               <a:cs typeface="Roboto Bold" panose="02000000000000000000" pitchFamily="2" charset="0"/>
                             </a:rPr>
                             <a:t>2PL </a:t>
                           </a:r>
-                          <a:r>
-                            <a:rPr lang="el-GR" sz="3400" b="1" u="sng" dirty="0">
+                          <a14:m>
+                            <m:oMath xmlns:m="http://schemas.openxmlformats.org/officeDocument/2006/math">
+                              <m:r>
+                                <a:rPr lang="en-US" sz="3400" b="1" i="0" u="none" smtClean="0">
+                                  <a:ln>
+                                    <a:noFill/>
+                                    <a:prstDash val="dash"/>
+                                  </a:ln>
+                                  <a:solidFill>
+                                    <a:schemeClr val="tx1"/>
+                                  </a:solidFill>
+                                  <a:latin typeface="+mj-lt"/>
+                                  <a:ea typeface="Roboto Bold" panose="02000000000000000000" pitchFamily="2" charset="0"/>
+                                  <a:cs typeface="Roboto Bold" panose="02000000000000000000" pitchFamily="2" charset="0"/>
+                                </a:rPr>
+                                <m:t>𝛌</m:t>
+                              </m:r>
+                            </m:oMath>
+                          </a14:m>
+                          <a:r>
+                            <a:rPr lang="en-US" sz="3400" b="1" u="none" dirty="0">
                               <a:ln>
                                 <a:noFill/>
                                 <a:prstDash val="dash"/>
@@ -3684,13 +3703,28 @@
                               <a:solidFill>
                                 <a:schemeClr val="tx1"/>
                               </a:solidFill>
-                              <a:latin typeface="Roboto" panose="02000000000000000000" pitchFamily="2" charset="0"/>
-                              <a:ea typeface="Roboto" panose="02000000000000000000" pitchFamily="2" charset="0"/>
-                              <a:cs typeface="Roboto" panose="02000000000000000000" pitchFamily="2" charset="0"/>
-                            </a:rPr>
-                            <a:t>λ</a:t>
-                          </a:r>
-                          <a:endParaRPr lang="en-US" sz="3400" b="1" u="sng" dirty="0">
+                              <a:latin typeface="Roboto Bold" panose="02000000000000000000"/>
+                              <a:ea typeface="Roboto Bold" panose="02000000000000000000" pitchFamily="2" charset="0"/>
+                              <a:cs typeface="Roboto Bold" panose="02000000000000000000" pitchFamily="2" charset="0"/>
+                            </a:rPr>
+                            <a:t> (True</a:t>
+                          </a:r>
+                          <a:r>
+                            <a:rPr lang="en-US" sz="3400" b="1" u="none" baseline="0" dirty="0">
+                              <a:ln>
+                                <a:noFill/>
+                                <a:prstDash val="dash"/>
+                              </a:ln>
+                              <a:solidFill>
+                                <a:schemeClr val="tx1"/>
+                              </a:solidFill>
+                              <a:latin typeface="Roboto Bold" panose="02000000000000000000"/>
+                              <a:ea typeface="Roboto Bold" panose="02000000000000000000" pitchFamily="2" charset="0"/>
+                              <a:cs typeface="Roboto Bold" panose="02000000000000000000" pitchFamily="2" charset="0"/>
+                            </a:rPr>
+                            <a:t> vs. EAP)</a:t>
+                          </a:r>
+                          <a:endParaRPr lang="en-US" sz="3400" b="1" u="none" dirty="0">
                             <a:ln>
                               <a:noFill/>
                               <a:prstDash val="dash"/>
@@ -3698,7 +3732,7 @@
                             <a:solidFill>
                               <a:schemeClr val="tx1"/>
                             </a:solidFill>
-                            <a:latin typeface="Roboto Bold" panose="02000000000000000000" pitchFamily="2" charset="0"/>
+                            <a:latin typeface="Roboto Bold" panose="02000000000000000000"/>
                             <a:ea typeface="Roboto Bold" panose="02000000000000000000" pitchFamily="2" charset="0"/>
                             <a:cs typeface="Roboto Bold" panose="02000000000000000000" pitchFamily="2" charset="0"/>
                           </a:endParaRPr>
@@ -4148,6 +4182,46 @@
                                         </m:r>
                                       </m:e>
                                     </m:acc>
+                                    <m:r>
+                                      <a:rPr lang="en-US" sz="3600" b="1" i="1" u="none" strike="noStrike" smtClean="0">
+                                        <a:solidFill>
+                                          <a:srgbClr val="000000"/>
+                                        </a:solidFill>
+                                        <a:effectLst/>
+                                        <a:latin typeface="Cambria Math" panose="02040503050406030204" pitchFamily="18" charset="0"/>
+                                      </a:rPr>
+                                      <m:t> ≥ </m:t>
+                                    </m:r>
+                                    <m:r>
+                                      <a:rPr lang="en-US" sz="3600" b="1" i="1" u="none" strike="noStrike" smtClean="0">
+                                        <a:solidFill>
+                                          <a:srgbClr val="000000"/>
+                                        </a:solidFill>
+                                        <a:effectLst/>
+                                        <a:latin typeface="Cambria Math" panose="02040503050406030204" pitchFamily="18" charset="0"/>
+                                      </a:rPr>
+                                      <m:t>𝟏</m:t>
+                                    </m:r>
+                                    <m:r>
+                                      <a:rPr lang="en-US" sz="3600" b="1" i="1" u="none" strike="noStrike" smtClean="0">
+                                        <a:solidFill>
+                                          <a:srgbClr val="000000"/>
+                                        </a:solidFill>
+                                        <a:effectLst/>
+                                        <a:latin typeface="Cambria Math" panose="02040503050406030204" pitchFamily="18" charset="0"/>
+                                      </a:rPr>
+                                      <m:t>.</m:t>
+                                    </m:r>
+                                    <m:r>
+                                      <a:rPr lang="en-US" sz="3600" b="1" i="1" u="none" strike="noStrike" smtClean="0">
+                                        <a:solidFill>
+                                          <a:srgbClr val="000000"/>
+                                        </a:solidFill>
+                                        <a:effectLst/>
+                                        <a:latin typeface="Cambria Math" panose="02040503050406030204" pitchFamily="18" charset="0"/>
+                                      </a:rPr>
+                                      <m:t>𝟎𝟓</m:t>
+                                    </m:r>
                                   </m:sub>
                                 </m:sSub>
                                 <m:r>
@@ -4356,7 +4430,7 @@
                         <a:p>
                           <a:pPr algn="ctr" fontAlgn="b"/>
                           <a:r>
-                            <a:rPr lang="en-US" sz="3400" b="0" i="0" u="none" strike="noStrike">
+                            <a:rPr lang="en-US" sz="3400" b="0" i="0" u="none" strike="noStrike" dirty="0">
                               <a:solidFill>
                                 <a:srgbClr val="000000"/>
                               </a:solidFill>
@@ -4551,7 +4625,7 @@
                         <a:p>
                           <a:pPr algn="ctr" fontAlgn="b"/>
                           <a:r>
-                            <a:rPr lang="en-US" sz="3400" b="0" i="0" u="none" strike="noStrike">
+                            <a:rPr lang="en-US" sz="3400" b="0" i="0" u="none" strike="noStrike" dirty="0">
                               <a:solidFill>
                                 <a:srgbClr val="000000"/>
                               </a:solidFill>
@@ -4793,7 +4867,7 @@
                         <a:p>
                           <a:pPr algn="ctr" fontAlgn="b"/>
                           <a:r>
-                            <a:rPr lang="en-US" sz="3400" b="0" i="0" u="none" strike="noStrike">
+                            <a:rPr lang="en-US" sz="3400" b="0" i="0" u="none" strike="noStrike" dirty="0">
                               <a:solidFill>
                                 <a:srgbClr val="000000"/>
                               </a:solidFill>
@@ -4887,7 +4961,7 @@
                         <a:p>
                           <a:pPr algn="ctr" fontAlgn="b"/>
                           <a:r>
-                            <a:rPr lang="en-US" sz="3400" b="0" i="0" u="none" strike="noStrike" dirty="0">
+                            <a:rPr lang="en-US" sz="3400" b="0" i="0" u="none" strike="noStrike">
                               <a:solidFill>
                                 <a:srgbClr val="000000"/>
                               </a:solidFill>
@@ -5219,7 +5293,7 @@
                         <a:p>
                           <a:pPr algn="ctr" fontAlgn="b"/>
                           <a:r>
-                            <a:rPr lang="en-US" sz="3400" b="0" i="0" u="none" strike="noStrike">
+                            <a:rPr lang="en-US" sz="3400" b="0" i="0" u="none" strike="noStrike" dirty="0">
                               <a:solidFill>
                                 <a:srgbClr val="000000"/>
                               </a:solidFill>
@@ -5301,7 +5375,7 @@
                         <a:p>
                           <a:pPr algn="ctr" fontAlgn="b"/>
                           <a:r>
-                            <a:rPr lang="en-US" sz="3400" b="0" i="0" u="none" strike="noStrike" dirty="0">
+                            <a:rPr lang="en-US" sz="3400" b="0" i="0" u="none" strike="noStrike">
                               <a:solidFill>
                                 <a:srgbClr val="000000"/>
                               </a:solidFill>
@@ -5467,7 +5541,7 @@
                         <a:p>
                           <a:pPr algn="ctr" fontAlgn="b"/>
                           <a:r>
-                            <a:rPr lang="en-US" sz="3400" b="0" i="0" u="none" strike="noStrike">
+                            <a:rPr lang="en-US" sz="3400" b="0" i="0" u="none" strike="noStrike" dirty="0">
                               <a:solidFill>
                                 <a:srgbClr val="000000"/>
                               </a:solidFill>
@@ -5630,7 +5704,7 @@
                         <a:p>
                           <a:pPr algn="ctr" fontAlgn="b"/>
                           <a:r>
-                            <a:rPr lang="en-US" sz="3400" b="0" i="0" u="none" strike="noStrike">
+                            <a:rPr lang="en-US" sz="3400" b="0" i="0" u="none" strike="noStrike" dirty="0">
                               <a:solidFill>
                                 <a:srgbClr val="000000"/>
                               </a:solidFill>
@@ -5671,7 +5745,7 @@
                         <a:p>
                           <a:pPr algn="ctr" fontAlgn="b"/>
                           <a:r>
-                            <a:rPr lang="en-US" sz="3400" b="0" i="0" u="none" strike="noStrike">
+                            <a:rPr lang="en-US" sz="3400" b="0" i="0" u="none" strike="noStrike" dirty="0">
                               <a:solidFill>
                                 <a:srgbClr val="000000"/>
                               </a:solidFill>
@@ -5840,7 +5914,7 @@
                         <a:p>
                           <a:pPr algn="ctr" fontAlgn="b"/>
                           <a:r>
-                            <a:rPr lang="en-US" sz="3400" b="0" i="0" u="none" strike="noStrike" dirty="0">
+                            <a:rPr lang="en-US" sz="3400" b="0" i="0" u="none" strike="noStrike">
                               <a:solidFill>
                                 <a:srgbClr val="000000"/>
                               </a:solidFill>
@@ -5887,7 +5961,7 @@
                         <a:p>
                           <a:pPr algn="ctr" fontAlgn="b"/>
                           <a:r>
-                            <a:rPr lang="en-US" sz="3400" b="0" i="0" u="none" strike="noStrike" dirty="0">
+                            <a:rPr lang="en-US" sz="3400" b="0" i="0" u="none" strike="noStrike">
                               <a:solidFill>
                                 <a:srgbClr val="000000"/>
                               </a:solidFill>
@@ -5991,7 +6065,7 @@
             </a:graphic>
           </p:graphicFrame>
         </mc:Choice>
-        <mc:Fallback xmlns="">
+        <mc:Fallback>
           <p:graphicFrame>
             <p:nvGraphicFramePr>
               <p:cNvPr id="46" name="Data Table " descr="This table is a placeholder. Please add your own alt text. ">
@@ -6007,14 +6081,14 @@
               <p:nvPr>
                 <p:extLst>
                   <p:ext uri="{D42A27DB-BD31-4B8C-83A1-F6EECF244321}">
-                    <p14:modId xmlns:p14="http://schemas.microsoft.com/office/powerpoint/2010/main" val="4099072734"/>
+                    <p14:modId xmlns:p14="http://schemas.microsoft.com/office/powerpoint/2010/main" val="2795856040"/>
                   </p:ext>
                 </p:extLst>
               </p:nvPr>
             </p:nvGraphicFramePr>
             <p:xfrm>
               <a:off x="33549793" y="7200002"/>
-              <a:ext cx="10085592" cy="7332159"/>
+              <a:ext cx="10085592" cy="7334763"/>
             </p:xfrm>
             <a:graphic>
               <a:graphicData uri="http://schemas.openxmlformats.org/drawingml/2006/table">
@@ -6058,49 +6132,7 @@
                         <a:bodyPr/>
                         <a:lstStyle/>
                         <a:p>
-                          <a:pPr algn="ctr"/>
-                          <a:r>
-                            <a:rPr lang="en-US" sz="3400" b="1" u="sng" dirty="0">
-                              <a:ln>
-                                <a:noFill/>
-                                <a:prstDash val="dash"/>
-                              </a:ln>
-                              <a:solidFill>
-                                <a:schemeClr val="tx1"/>
-                              </a:solidFill>
-                              <a:latin typeface="Roboto Bold" panose="02000000000000000000" pitchFamily="2" charset="0"/>
-                              <a:ea typeface="Roboto Bold" panose="02000000000000000000" pitchFamily="2" charset="0"/>
-                              <a:cs typeface="Roboto Bold" panose="02000000000000000000" pitchFamily="2" charset="0"/>
-                            </a:rPr>
-                            <a:t>2PL </a:t>
-                          </a:r>
-                          <a:r>
-                            <a:rPr lang="el-GR" sz="3400" b="1" u="sng" dirty="0">
-                              <a:ln>
-                                <a:noFill/>
-                                <a:prstDash val="dash"/>
-                              </a:ln>
-                              <a:solidFill>
-                                <a:schemeClr val="tx1"/>
-                              </a:solidFill>
-                              <a:latin typeface="Roboto" panose="02000000000000000000" pitchFamily="2" charset="0"/>
-                              <a:ea typeface="Roboto" panose="02000000000000000000" pitchFamily="2" charset="0"/>
-                              <a:cs typeface="Roboto" panose="02000000000000000000" pitchFamily="2" charset="0"/>
-                            </a:rPr>
-                            <a:t>λ</a:t>
-                          </a:r>
-                          <a:endParaRPr lang="en-US" sz="3400" b="1" u="sng" dirty="0">
-                            <a:ln>
-                              <a:noFill/>
-                              <a:prstDash val="dash"/>
-                            </a:ln>
-                            <a:solidFill>
-                              <a:schemeClr val="tx1"/>
-                            </a:solidFill>
-                            <a:latin typeface="Roboto Bold" panose="02000000000000000000" pitchFamily="2" charset="0"/>
-                            <a:ea typeface="Roboto Bold" panose="02000000000000000000" pitchFamily="2" charset="0"/>
-                            <a:cs typeface="Roboto Bold" panose="02000000000000000000" pitchFamily="2" charset="0"/>
-                          </a:endParaRPr>
+                          <a:endParaRPr lang="en-US"/>
                         </a:p>
                       </a:txBody>
                       <a:tcPr marL="0" marR="0" marT="0" marB="0" anchor="ctr">
@@ -6148,6 +6180,12 @@
                           <a:noFill/>
                           <a:prstDash val="solid"/>
                         </a:lnBlToTr>
+                        <a:blipFill>
+                          <a:blip r:embed="rId11"/>
+                          <a:stretch>
+                            <a:fillRect l="-181" t="-25882" r="-543" b="-1365882"/>
+                          </a:stretch>
+                        </a:blipFill>
                       </a:tcPr>
                     </a:tc>
                     <a:tc hMerge="1">
@@ -6321,7 +6359,7 @@
                       </a:ext>
                     </a:extLst>
                   </a:tr>
-                  <a:tr h="557975">
+                  <a:tr h="560579">
                     <a:tc>
                       <a:txBody>
                         <a:bodyPr/>
@@ -6682,7 +6720,7 @@
                         <a:p>
                           <a:pPr algn="ctr" fontAlgn="b"/>
                           <a:r>
-                            <a:rPr lang="en-US" sz="3400" b="0" i="0" u="none" strike="noStrike">
+                            <a:rPr lang="en-US" sz="3400" b="0" i="0" u="none" strike="noStrike" dirty="0">
                               <a:solidFill>
                                 <a:srgbClr val="000000"/>
                               </a:solidFill>
@@ -6877,7 +6915,7 @@
                         <a:p>
                           <a:pPr algn="ctr" fontAlgn="b"/>
                           <a:r>
-                            <a:rPr lang="en-US" sz="3400" b="0" i="0" u="none" strike="noStrike">
+                            <a:rPr lang="en-US" sz="3400" b="0" i="0" u="none" strike="noStrike" dirty="0">
                               <a:solidFill>
                                 <a:srgbClr val="000000"/>
                               </a:solidFill>
@@ -7119,7 +7157,7 @@
                         <a:p>
                           <a:pPr algn="ctr" fontAlgn="b"/>
                           <a:r>
-                            <a:rPr lang="en-US" sz="3400" b="0" i="0" u="none" strike="noStrike">
+                            <a:rPr lang="en-US" sz="3400" b="0" i="0" u="none" strike="noStrike" dirty="0">
                               <a:solidFill>
                                 <a:srgbClr val="000000"/>
                               </a:solidFill>
@@ -7213,7 +7251,7 @@
                         <a:p>
                           <a:pPr algn="ctr" fontAlgn="b"/>
                           <a:r>
-                            <a:rPr lang="en-US" sz="3400" b="0" i="0" u="none" strike="noStrike" dirty="0">
+                            <a:rPr lang="en-US" sz="3400" b="0" i="0" u="none" strike="noStrike">
                               <a:solidFill>
                                 <a:srgbClr val="000000"/>
                               </a:solidFill>
@@ -7545,7 +7583,7 @@
                         <a:p>
                           <a:pPr algn="ctr" fontAlgn="b"/>
                           <a:r>
-                            <a:rPr lang="en-US" sz="3400" b="0" i="0" u="none" strike="noStrike">
+                            <a:rPr lang="en-US" sz="3400" b="0" i="0" u="none" strike="noStrike" dirty="0">
                               <a:solidFill>
                                 <a:srgbClr val="000000"/>
                               </a:solidFill>
@@ -7627,7 +7665,7 @@
                         <a:p>
                           <a:pPr algn="ctr" fontAlgn="b"/>
                           <a:r>
-                            <a:rPr lang="en-US" sz="3400" b="0" i="0" u="none" strike="noStrike" dirty="0">
+                            <a:rPr lang="en-US" sz="3400" b="0" i="0" u="none" strike="noStrike">
                               <a:solidFill>
                                 <a:srgbClr val="000000"/>
                               </a:solidFill>
@@ -7793,7 +7831,7 @@
                         <a:p>
                           <a:pPr algn="ctr" fontAlgn="b"/>
                           <a:r>
-                            <a:rPr lang="en-US" sz="3400" b="0" i="0" u="none" strike="noStrike">
+                            <a:rPr lang="en-US" sz="3400" b="0" i="0" u="none" strike="noStrike" dirty="0">
                               <a:solidFill>
                                 <a:srgbClr val="000000"/>
                               </a:solidFill>
@@ -7956,7 +7994,7 @@
                         <a:p>
                           <a:pPr algn="ctr" fontAlgn="b"/>
                           <a:r>
-                            <a:rPr lang="en-US" sz="3400" b="0" i="0" u="none" strike="noStrike">
+                            <a:rPr lang="en-US" sz="3400" b="0" i="0" u="none" strike="noStrike" dirty="0">
                               <a:solidFill>
                                 <a:srgbClr val="000000"/>
                               </a:solidFill>
@@ -7997,7 +8035,7 @@
                         <a:p>
                           <a:pPr algn="ctr" fontAlgn="b"/>
                           <a:r>
-                            <a:rPr lang="en-US" sz="3400" b="0" i="0" u="none" strike="noStrike">
+                            <a:rPr lang="en-US" sz="3400" b="0" i="0" u="none" strike="noStrike" dirty="0">
                               <a:solidFill>
                                 <a:srgbClr val="000000"/>
                               </a:solidFill>
@@ -8166,7 +8204,7 @@
                         <a:p>
                           <a:pPr algn="ctr" fontAlgn="b"/>
                           <a:r>
-                            <a:rPr lang="en-US" sz="3400" b="0" i="0" u="none" strike="noStrike" dirty="0">
+                            <a:rPr lang="en-US" sz="3400" b="0" i="0" u="none" strike="noStrike">
                               <a:solidFill>
                                 <a:srgbClr val="000000"/>
                               </a:solidFill>
@@ -8213,7 +8251,7 @@
                         <a:p>
                           <a:pPr algn="ctr" fontAlgn="b"/>
                           <a:r>
-                            <a:rPr lang="en-US" sz="3400" b="0" i="0" u="none" strike="noStrike" dirty="0">
+                            <a:rPr lang="en-US" sz="3400" b="0" i="0" u="none" strike="noStrike">
                               <a:solidFill>
                                 <a:srgbClr val="000000"/>
                               </a:solidFill>
@@ -8318,8 +8356,8 @@
           </p:graphicFrame>
         </mc:Fallback>
       </mc:AlternateContent>
-      <mc:AlternateContent xmlns:mc="http://schemas.openxmlformats.org/markup-compatibility/2006" xmlns:a14="http://schemas.microsoft.com/office/drawing/2010/main">
-        <mc:Choice Requires="a14">
+      <mc:AlternateContent xmlns:mc="http://schemas.openxmlformats.org/markup-compatibility/2006">
+        <mc:Choice xmlns:a14="http://schemas.microsoft.com/office/drawing/2010/main" Requires="a14">
           <p:graphicFrame>
             <p:nvGraphicFramePr>
               <p:cNvPr id="49" name="Data Table " descr="This table is a placeholder. Please add your own alt text. ">
@@ -8335,14 +8373,14 @@
               <p:nvPr>
                 <p:extLst>
                   <p:ext uri="{D42A27DB-BD31-4B8C-83A1-F6EECF244321}">
-                    <p14:modId xmlns:p14="http://schemas.microsoft.com/office/powerpoint/2010/main" val="3503258101"/>
+                    <p14:modId xmlns:p14="http://schemas.microsoft.com/office/powerpoint/2010/main" val="1271827223"/>
                   </p:ext>
                 </p:extLst>
               </p:nvPr>
             </p:nvGraphicFramePr>
             <p:xfrm>
               <a:off x="33549793" y="15047020"/>
-              <a:ext cx="10085592" cy="7973705"/>
+              <a:ext cx="10085592" cy="7980873"/>
             </p:xfrm>
             <a:graphic>
               <a:graphicData uri="http://schemas.openxmlformats.org/drawingml/2006/table">
@@ -8388,7 +8426,7 @@
                         <a:p>
                           <a:pPr algn="ctr"/>
                           <a:r>
-                            <a:rPr lang="en-US" sz="3400" u="sng" dirty="0">
+                            <a:rPr lang="en-US" sz="3400" i="0" u="none" dirty="0">
                               <a:ln>
                                 <a:noFill/>
                                 <a:prstDash val="dash"/>
@@ -8396,14 +8434,70 @@
                               <a:solidFill>
                                 <a:schemeClr val="tx1"/>
                               </a:solidFill>
-                              <a:latin typeface="Roboto Bold" panose="02000000000000000000" pitchFamily="2" charset="0"/>
+                              <a:latin typeface="Roboto Bold" panose="02000000000000000000"/>
                               <a:ea typeface="Roboto Bold" panose="02000000000000000000" pitchFamily="2" charset="0"/>
                               <a:cs typeface="Roboto Bold" panose="02000000000000000000" pitchFamily="2" charset="0"/>
                             </a:rPr>
                             <a:t>Bifactor </a:t>
                           </a:r>
-                          <a:r>
-                            <a:rPr lang="el-GR" sz="3400" b="1" u="sng">
+                          <a14:m>
+                            <m:oMath xmlns:m="http://schemas.openxmlformats.org/officeDocument/2006/math">
+                              <m:sSub>
+                                <m:sSubPr>
+                                  <m:ctrlPr>
+                                    <a:rPr lang="en-US" sz="3400" b="1" i="0" u="none" smtClean="0">
+                                      <a:ln>
+                                        <a:noFill/>
+                                        <a:prstDash val="dash"/>
+                                      </a:ln>
+                                      <a:solidFill>
+                                        <a:schemeClr val="tx1"/>
+                                      </a:solidFill>
+                                      <a:latin typeface="Cambria Math" panose="02040503050406030204" pitchFamily="18" charset="0"/>
+                                      <a:ea typeface="Roboto Bold" panose="02000000000000000000" pitchFamily="2" charset="0"/>
+                                      <a:cs typeface="Roboto Bold" panose="02000000000000000000" pitchFamily="2" charset="0"/>
+                                    </a:rPr>
+                                  </m:ctrlPr>
+                                </m:sSubPr>
+                                <m:e>
+                                  <m:r>
+                                    <a:rPr lang="en-US" sz="3400" b="1" i="0" u="none" smtClean="0">
+                                      <a:ln>
+                                        <a:noFill/>
+                                        <a:prstDash val="dash"/>
+                                      </a:ln>
+                                      <a:solidFill>
+                                        <a:schemeClr val="tx1"/>
+                                      </a:solidFill>
+                                      <a:latin typeface="Cambria Math" panose="02040503050406030204" pitchFamily="18" charset="0"/>
+                                      <a:ea typeface="Roboto Bold" panose="02000000000000000000" pitchFamily="2" charset="0"/>
+                                      <a:cs typeface="Roboto Bold" panose="02000000000000000000" pitchFamily="2" charset="0"/>
+                                    </a:rPr>
+                                    <m:t>𝛌</m:t>
+                                  </m:r>
+                                </m:e>
+                                <m:sub>
+                                  <m:r>
+                                    <a:rPr lang="en-US" sz="3400" b="1" i="0" u="none" smtClean="0">
+                                      <a:ln>
+                                        <a:noFill/>
+                                        <a:prstDash val="dash"/>
+                                      </a:ln>
+                                      <a:solidFill>
+                                        <a:schemeClr val="tx1"/>
+                                      </a:solidFill>
+                                      <a:latin typeface="Cambria Math" panose="02040503050406030204" pitchFamily="18" charset="0"/>
+                                      <a:ea typeface="Roboto Bold" panose="02000000000000000000" pitchFamily="2" charset="0"/>
+                                      <a:cs typeface="Roboto Bold" panose="02000000000000000000" pitchFamily="2" charset="0"/>
+                                    </a:rPr>
+                                    <m:t>𝐠</m:t>
+                                  </m:r>
+                                </m:sub>
+                              </m:sSub>
+                            </m:oMath>
+                          </a14:m>
+                          <a:r>
+                            <a:rPr lang="en-US" sz="3400" b="1" i="0" u="none" dirty="0">
                               <a:ln>
                                 <a:noFill/>
                                 <a:prstDash val="dash"/>
@@ -8411,13 +8505,58 @@
                               <a:solidFill>
                                 <a:schemeClr val="tx1"/>
                               </a:solidFill>
-                              <a:latin typeface="Roboto" panose="02000000000000000000" pitchFamily="2" charset="0"/>
-                              <a:ea typeface="Roboto" panose="02000000000000000000" pitchFamily="2" charset="0"/>
-                              <a:cs typeface="Roboto" panose="02000000000000000000" pitchFamily="2" charset="0"/>
-                            </a:rPr>
-                            <a:t>λ</a:t>
-                          </a:r>
-                          <a:endParaRPr lang="en-US" sz="3400" b="1" u="sng" dirty="0">
+                              <a:latin typeface="Roboto Bold" panose="02000000000000000000"/>
+                              <a:ea typeface="Roboto Bold" panose="02000000000000000000" pitchFamily="2" charset="0"/>
+                              <a:cs typeface="Roboto Bold" panose="02000000000000000000" pitchFamily="2" charset="0"/>
+                            </a:rPr>
+                            <a:t> (True</a:t>
+                          </a:r>
+                          <a:r>
+                            <a:rPr lang="en-US" sz="3400" b="1" i="0" u="none" baseline="0" dirty="0">
+                              <a:ln>
+                                <a:noFill/>
+                                <a:prstDash val="dash"/>
+                              </a:ln>
+                              <a:solidFill>
+                                <a:schemeClr val="tx1"/>
+                              </a:solidFill>
+                              <a:latin typeface="Roboto Bold" panose="02000000000000000000"/>
+                              <a:ea typeface="Roboto Bold" panose="02000000000000000000" pitchFamily="2" charset="0"/>
+                              <a:cs typeface="Roboto Bold" panose="02000000000000000000" pitchFamily="2" charset="0"/>
+                            </a:rPr>
+                            <a:t> vs. </a:t>
+                          </a:r>
+                          <a:r>
+                            <a:rPr lang="en-US" sz="3400" b="1" i="0" u="none" baseline="0">
+                              <a:ln>
+                                <a:noFill/>
+                                <a:prstDash val="dash"/>
+                              </a:ln>
+                              <a:solidFill>
+                                <a:schemeClr val="tx1"/>
+                              </a:solidFill>
+                              <a:latin typeface="Roboto Bold" panose="02000000000000000000"/>
+                              <a:ea typeface="Roboto Bold" panose="02000000000000000000" pitchFamily="2" charset="0"/>
+                              <a:cs typeface="Roboto Bold" panose="02000000000000000000" pitchFamily="2" charset="0"/>
+                            </a:rPr>
+                            <a:t>EAP</a:t>
+                          </a:r>
+                          <a:r>
+                            <a:rPr lang="en-US" sz="3400" b="1" i="0" u="none">
+                              <a:ln>
+                                <a:noFill/>
+                                <a:prstDash val="dash"/>
+                              </a:ln>
+                              <a:solidFill>
+                                <a:schemeClr val="tx1"/>
+                              </a:solidFill>
+                              <a:latin typeface="Roboto Bold" panose="02000000000000000000"/>
+                              <a:ea typeface="Roboto Bold" panose="02000000000000000000" pitchFamily="2" charset="0"/>
+                              <a:cs typeface="Roboto Bold" panose="02000000000000000000" pitchFamily="2" charset="0"/>
+                            </a:rPr>
+                            <a:t>)</a:t>
+                          </a:r>
+                          <a:endParaRPr lang="en-US" sz="3400" b="1" i="0" u="none" dirty="0">
                             <a:ln>
                               <a:noFill/>
                               <a:prstDash val="dash"/>
@@ -8425,7 +8564,7 @@
                             <a:solidFill>
                               <a:schemeClr val="tx1"/>
                             </a:solidFill>
-                            <a:latin typeface="Roboto Bold" panose="02000000000000000000" pitchFamily="2" charset="0"/>
+                            <a:latin typeface="Roboto Bold" panose="02000000000000000000"/>
                             <a:ea typeface="Roboto Bold" panose="02000000000000000000" pitchFamily="2" charset="0"/>
                             <a:cs typeface="Roboto Bold" panose="02000000000000000000" pitchFamily="2" charset="0"/>
                           </a:endParaRPr>
@@ -8875,6 +9014,46 @@
                                         </m:r>
                                       </m:e>
                                     </m:acc>
+                                    <m:r>
+                                      <a:rPr lang="en-US" sz="3600" b="1" i="1" u="none" strike="noStrike" smtClean="0">
+                                        <a:solidFill>
+                                          <a:srgbClr val="000000"/>
+                                        </a:solidFill>
+                                        <a:effectLst/>
+                                        <a:latin typeface="Cambria Math" panose="02040503050406030204" pitchFamily="18" charset="0"/>
+                                      </a:rPr>
+                                      <m:t> ≥ </m:t>
+                                    </m:r>
+                                    <m:r>
+                                      <a:rPr lang="en-US" sz="3600" b="1" i="1" u="none" strike="noStrike" smtClean="0">
+                                        <a:solidFill>
+                                          <a:srgbClr val="000000"/>
+                                        </a:solidFill>
+                                        <a:effectLst/>
+                                        <a:latin typeface="Cambria Math" panose="02040503050406030204" pitchFamily="18" charset="0"/>
+                                      </a:rPr>
+                                      <m:t>𝟏</m:t>
+                                    </m:r>
+                                    <m:r>
+                                      <a:rPr lang="en-US" sz="3600" b="1" i="1" u="none" strike="noStrike" smtClean="0">
+                                        <a:solidFill>
+                                          <a:srgbClr val="000000"/>
+                                        </a:solidFill>
+                                        <a:effectLst/>
+                                        <a:latin typeface="Cambria Math" panose="02040503050406030204" pitchFamily="18" charset="0"/>
+                                      </a:rPr>
+                                      <m:t>.</m:t>
+                                    </m:r>
+                                    <m:r>
+                                      <a:rPr lang="en-US" sz="3600" b="1" i="1" u="none" strike="noStrike" smtClean="0">
+                                        <a:solidFill>
+                                          <a:srgbClr val="000000"/>
+                                        </a:solidFill>
+                                        <a:effectLst/>
+                                        <a:latin typeface="Cambria Math" panose="02040503050406030204" pitchFamily="18" charset="0"/>
+                                      </a:rPr>
+                                      <m:t>𝟎𝟓</m:t>
+                                    </m:r>
                                   </m:sub>
                                 </m:sSub>
                                 <m:r>
@@ -9053,7 +9232,7 @@
                               <a:effectLst/>
                               <a:latin typeface="+mn-lt"/>
                             </a:rPr>
-                            <a:t>0.016</a:t>
+                            <a:t>0.093</a:t>
                           </a:r>
                         </a:p>
                       </a:txBody>
@@ -9106,7 +9285,7 @@
                               <a:effectLst/>
                               <a:latin typeface="+mn-lt"/>
                             </a:rPr>
-                            <a:t>0.163</a:t>
+                            <a:t>0.275</a:t>
                           </a:r>
                         </a:p>
                       </a:txBody>
@@ -9159,7 +9338,7 @@
                               <a:effectLst/>
                               <a:latin typeface="+mn-lt"/>
                             </a:rPr>
-                            <a:t>712</a:t>
+                            <a:t>340</a:t>
                           </a:r>
                         </a:p>
                       </a:txBody>
@@ -9284,7 +9463,7 @@
                               <a:effectLst/>
                               <a:latin typeface="+mn-lt"/>
                             </a:rPr>
-                            <a:t>-0.816</a:t>
+                            <a:t>-0.332</a:t>
                           </a:r>
                         </a:p>
                       </a:txBody>
@@ -9337,7 +9516,7 @@
                               <a:effectLst/>
                               <a:latin typeface="+mn-lt"/>
                             </a:rPr>
-                            <a:t>1.756</a:t>
+                            <a:t>1.225</a:t>
                           </a:r>
                         </a:p>
                       </a:txBody>
@@ -9390,7 +9569,7 @@
                               <a:effectLst/>
                               <a:latin typeface="+mn-lt"/>
                             </a:rPr>
-                            <a:t>2252</a:t>
+                            <a:t>1231</a:t>
                           </a:r>
                         </a:p>
                       </a:txBody>
@@ -9526,7 +9705,7 @@
                               <a:effectLst/>
                               <a:latin typeface="+mn-lt"/>
                             </a:rPr>
-                            <a:t>-1.543</a:t>
+                            <a:t>-1.524</a:t>
                           </a:r>
                         </a:p>
                       </a:txBody>
@@ -9573,7 +9752,7 @@
                               <a:effectLst/>
                               <a:latin typeface="+mn-lt"/>
                             </a:rPr>
-                            <a:t>2.421</a:t>
+                            <a:t>2.396</a:t>
                           </a:r>
                         </a:p>
                       </a:txBody>
@@ -9613,14 +9792,14 @@
                         <a:p>
                           <a:pPr algn="ctr" fontAlgn="b"/>
                           <a:r>
-                            <a:rPr lang="en-US" sz="3400" b="0" i="0" u="none" strike="noStrike" dirty="0">
-                              <a:solidFill>
-                                <a:srgbClr val="000000"/>
-                              </a:solidFill>
-                              <a:effectLst/>
-                              <a:latin typeface="+mn-lt"/>
-                            </a:rPr>
-                            <a:t>2847</a:t>
+                            <a:rPr lang="en-US" sz="3400" b="0" i="0" u="none" strike="noStrike">
+                              <a:solidFill>
+                                <a:srgbClr val="000000"/>
+                              </a:solidFill>
+                              <a:effectLst/>
+                              <a:latin typeface="+mn-lt"/>
+                            </a:rPr>
+                            <a:t>2406</a:t>
                           </a:r>
                         </a:p>
                       </a:txBody>
@@ -9741,14 +9920,14 @@
                         <a:p>
                           <a:pPr algn="ctr" fontAlgn="b"/>
                           <a:r>
-                            <a:rPr lang="en-US" sz="3400" b="0" i="0" u="none" strike="noStrike" dirty="0">
-                              <a:solidFill>
-                                <a:srgbClr val="000000"/>
-                              </a:solidFill>
-                              <a:effectLst/>
-                              <a:latin typeface="+mn-lt"/>
-                            </a:rPr>
-                            <a:t>-0.883</a:t>
+                            <a:rPr lang="en-US" sz="3400" b="0" i="0" u="none" strike="noStrike">
+                              <a:solidFill>
+                                <a:srgbClr val="000000"/>
+                              </a:solidFill>
+                              <a:effectLst/>
+                              <a:latin typeface="+mn-lt"/>
+                            </a:rPr>
+                            <a:t>-0.694</a:t>
                           </a:r>
                         </a:p>
                       </a:txBody>
@@ -9782,14 +9961,14 @@
                         <a:p>
                           <a:pPr algn="ctr" fontAlgn="b"/>
                           <a:r>
-                            <a:rPr lang="en-US" sz="3400" b="0" i="0" u="none" strike="noStrike" dirty="0">
-                              <a:solidFill>
-                                <a:srgbClr val="000000"/>
-                              </a:solidFill>
-                              <a:effectLst/>
-                              <a:latin typeface="+mn-lt"/>
-                            </a:rPr>
-                            <a:t>1.753</a:t>
+                            <a:rPr lang="en-US" sz="3400" b="0" i="0" u="none" strike="noStrike">
+                              <a:solidFill>
+                                <a:srgbClr val="000000"/>
+                              </a:solidFill>
+                              <a:effectLst/>
+                              <a:latin typeface="+mn-lt"/>
+                            </a:rPr>
+                            <a:t>1.501</a:t>
                           </a:r>
                         </a:p>
                       </a:txBody>
@@ -9830,7 +10009,7 @@
                               <a:effectLst/>
                               <a:latin typeface="+mn-lt"/>
                             </a:rPr>
-                            <a:t>2572</a:t>
+                            <a:t>2438</a:t>
                           </a:r>
                         </a:p>
                       </a:txBody>
@@ -9945,14 +10124,14 @@
                         <a:p>
                           <a:pPr algn="ctr" fontAlgn="b"/>
                           <a:r>
-                            <a:rPr lang="en-US" sz="3400" b="0" i="0" u="none" strike="noStrike">
-                              <a:solidFill>
-                                <a:srgbClr val="000000"/>
-                              </a:solidFill>
-                              <a:effectLst/>
-                              <a:latin typeface="+mn-lt"/>
-                            </a:rPr>
-                            <a:t>-1.525</a:t>
+                            <a:rPr lang="en-US" sz="3400" b="0" i="0" u="none" strike="noStrike" dirty="0">
+                              <a:solidFill>
+                                <a:srgbClr val="000000"/>
+                              </a:solidFill>
+                              <a:effectLst/>
+                              <a:latin typeface="+mn-lt"/>
+                            </a:rPr>
+                            <a:t>-1.588</a:t>
                           </a:r>
                         </a:p>
                       </a:txBody>
@@ -9986,14 +10165,14 @@
                         <a:p>
                           <a:pPr algn="ctr" fontAlgn="b"/>
                           <a:r>
-                            <a:rPr lang="en-US" sz="3400" b="0" i="0" u="none" strike="noStrike" dirty="0">
-                              <a:solidFill>
-                                <a:srgbClr val="000000"/>
-                              </a:solidFill>
-                              <a:effectLst/>
-                              <a:latin typeface="+mn-lt"/>
-                            </a:rPr>
-                            <a:t>2.422</a:t>
+                            <a:rPr lang="en-US" sz="3400" b="0" i="0" u="none" strike="noStrike">
+                              <a:solidFill>
+                                <a:srgbClr val="000000"/>
+                              </a:solidFill>
+                              <a:effectLst/>
+                              <a:latin typeface="+mn-lt"/>
+                            </a:rPr>
+                            <a:t>2.469</a:t>
                           </a:r>
                         </a:p>
                       </a:txBody>
@@ -10027,14 +10206,14 @@
                         <a:p>
                           <a:pPr algn="ctr" fontAlgn="b"/>
                           <a:r>
-                            <a:rPr lang="en-US" sz="3400" b="0" i="0" u="none" strike="noStrike" dirty="0">
-                              <a:solidFill>
-                                <a:srgbClr val="000000"/>
-                              </a:solidFill>
-                              <a:effectLst/>
-                              <a:latin typeface="+mn-lt"/>
-                            </a:rPr>
-                            <a:t>1881</a:t>
+                            <a:rPr lang="en-US" sz="3400" b="0" i="0" u="none" strike="noStrike">
+                              <a:solidFill>
+                                <a:srgbClr val="000000"/>
+                              </a:solidFill>
+                              <a:effectLst/>
+                              <a:latin typeface="+mn-lt"/>
+                            </a:rPr>
+                            <a:t>1993</a:t>
                           </a:r>
                         </a:p>
                       </a:txBody>
@@ -10152,14 +10331,14 @@
                         <a:p>
                           <a:pPr algn="ctr" fontAlgn="b"/>
                           <a:r>
-                            <a:rPr lang="en-US" sz="3400" b="0" i="0" u="none" strike="noStrike" dirty="0">
-                              <a:solidFill>
-                                <a:srgbClr val="000000"/>
-                              </a:solidFill>
-                              <a:effectLst/>
-                              <a:latin typeface="+mn-lt"/>
-                            </a:rPr>
-                            <a:t>-0.455</a:t>
+                            <a:rPr lang="en-US" sz="3400" b="0" i="0" u="none" strike="noStrike">
+                              <a:solidFill>
+                                <a:srgbClr val="000000"/>
+                              </a:solidFill>
+                              <a:effectLst/>
+                              <a:latin typeface="+mn-lt"/>
+                            </a:rPr>
+                            <a:t>-0.235</a:t>
                           </a:r>
                         </a:p>
                       </a:txBody>
@@ -10193,14 +10372,14 @@
                         <a:p>
                           <a:pPr algn="ctr" fontAlgn="b"/>
                           <a:r>
-                            <a:rPr lang="en-US" sz="3400" b="0" i="0" u="none" strike="noStrike" dirty="0">
-                              <a:solidFill>
-                                <a:srgbClr val="000000"/>
-                              </a:solidFill>
-                              <a:effectLst/>
-                              <a:latin typeface="+mn-lt"/>
-                            </a:rPr>
-                            <a:t>1.212</a:t>
+                            <a:rPr lang="en-US" sz="3400" b="0" i="0" u="none" strike="noStrike">
+                              <a:solidFill>
+                                <a:srgbClr val="000000"/>
+                              </a:solidFill>
+                              <a:effectLst/>
+                              <a:latin typeface="+mn-lt"/>
+                            </a:rPr>
+                            <a:t>0.919</a:t>
                           </a:r>
                         </a:p>
                       </a:txBody>
@@ -10241,7 +10420,7 @@
                               <a:effectLst/>
                               <a:latin typeface="+mn-lt"/>
                             </a:rPr>
-                            <a:t>1929</a:t>
+                            <a:t>1538</a:t>
                           </a:r>
                         </a:p>
                       </a:txBody>
@@ -10356,14 +10535,14 @@
                         <a:p>
                           <a:pPr algn="ctr" fontAlgn="b"/>
                           <a:r>
-                            <a:rPr lang="en-US" sz="3400" b="0" i="0" u="none" strike="noStrike">
-                              <a:solidFill>
-                                <a:srgbClr val="000000"/>
-                              </a:solidFill>
-                              <a:effectLst/>
-                              <a:latin typeface="+mn-lt"/>
-                            </a:rPr>
-                            <a:t>0.021</a:t>
+                            <a:rPr lang="en-US" sz="3400" b="0" i="0" u="none" strike="noStrike" dirty="0">
+                              <a:solidFill>
+                                <a:srgbClr val="000000"/>
+                              </a:solidFill>
+                              <a:effectLst/>
+                              <a:latin typeface="+mn-lt"/>
+                            </a:rPr>
+                            <a:t>0.082</a:t>
                           </a:r>
                         </a:p>
                       </a:txBody>
@@ -10397,14 +10576,14 @@
                         <a:p>
                           <a:pPr algn="ctr" fontAlgn="b"/>
                           <a:r>
-                            <a:rPr lang="en-US" sz="3400" b="0" i="0" u="none" strike="noStrike" dirty="0">
-                              <a:solidFill>
-                                <a:srgbClr val="000000"/>
-                              </a:solidFill>
-                              <a:effectLst/>
-                              <a:latin typeface="+mn-lt"/>
-                            </a:rPr>
-                            <a:t>0.121</a:t>
+                            <a:rPr lang="en-US" sz="3400" b="0" i="0" u="none" strike="noStrike">
+                              <a:solidFill>
+                                <a:srgbClr val="000000"/>
+                              </a:solidFill>
+                              <a:effectLst/>
+                              <a:latin typeface="+mn-lt"/>
+                            </a:rPr>
+                            <a:t>0.271</a:t>
                           </a:r>
                         </a:p>
                       </a:txBody>
@@ -10566,14 +10745,14 @@
                         <a:p>
                           <a:pPr algn="ctr" fontAlgn="b"/>
                           <a:r>
-                            <a:rPr lang="en-US" sz="3400" b="0" i="0" u="none" strike="noStrike" dirty="0">
-                              <a:solidFill>
-                                <a:srgbClr val="000000"/>
-                              </a:solidFill>
-                              <a:effectLst/>
-                              <a:latin typeface="+mn-lt"/>
-                            </a:rPr>
-                            <a:t>-0.021</a:t>
+                            <a:rPr lang="en-US" sz="3400" b="0" i="0" u="none" strike="noStrike">
+                              <a:solidFill>
+                                <a:srgbClr val="000000"/>
+                              </a:solidFill>
+                              <a:effectLst/>
+                              <a:latin typeface="+mn-lt"/>
+                            </a:rPr>
+                            <a:t>-0.221</a:t>
                           </a:r>
                         </a:p>
                       </a:txBody>
@@ -10620,7 +10799,7 @@
                               <a:effectLst/>
                               <a:latin typeface="+mn-lt"/>
                             </a:rPr>
-                            <a:t>0.313</a:t>
+                            <a:t>0.963</a:t>
                           </a:r>
                         </a:p>
                       </a:txBody>
@@ -10667,7 +10846,7 @@
                               <a:effectLst/>
                               <a:latin typeface="+mn-lt"/>
                             </a:rPr>
-                            <a:t>79</a:t>
+                            <a:t>473</a:t>
                           </a:r>
                         </a:p>
                       </a:txBody>
@@ -10717,7 +10896,7 @@
             </a:graphic>
           </p:graphicFrame>
         </mc:Choice>
-        <mc:Fallback xmlns="">
+        <mc:Fallback>
           <p:graphicFrame>
             <p:nvGraphicFramePr>
               <p:cNvPr id="49" name="Data Table " descr="This table is a placeholder. Please add your own alt text. ">
@@ -10733,14 +10912,14 @@
               <p:nvPr>
                 <p:extLst>
                   <p:ext uri="{D42A27DB-BD31-4B8C-83A1-F6EECF244321}">
-                    <p14:modId xmlns:p14="http://schemas.microsoft.com/office/powerpoint/2010/main" val="3503258101"/>
+                    <p14:modId xmlns:p14="http://schemas.microsoft.com/office/powerpoint/2010/main" val="1271827223"/>
                   </p:ext>
                 </p:extLst>
               </p:nvPr>
             </p:nvGraphicFramePr>
             <p:xfrm>
               <a:off x="33549793" y="15047020"/>
-              <a:ext cx="10085592" cy="7973705"/>
+              <a:ext cx="10085592" cy="7980873"/>
             </p:xfrm>
             <a:graphic>
               <a:graphicData uri="http://schemas.openxmlformats.org/drawingml/2006/table">
@@ -10778,55 +10957,13 @@
                       </a:extLst>
                     </a:gridCol>
                   </a:tblGrid>
-                  <a:tr h="562809">
+                  <a:tr h="567373">
                     <a:tc gridSpan="4">
                       <a:txBody>
                         <a:bodyPr/>
                         <a:lstStyle/>
                         <a:p>
-                          <a:pPr algn="ctr"/>
-                          <a:r>
-                            <a:rPr lang="en-US" sz="3400" u="sng" dirty="0">
-                              <a:ln>
-                                <a:noFill/>
-                                <a:prstDash val="dash"/>
-                              </a:ln>
-                              <a:solidFill>
-                                <a:schemeClr val="tx1"/>
-                              </a:solidFill>
-                              <a:latin typeface="Roboto Bold" panose="02000000000000000000" pitchFamily="2" charset="0"/>
-                              <a:ea typeface="Roboto Bold" panose="02000000000000000000" pitchFamily="2" charset="0"/>
-                              <a:cs typeface="Roboto Bold" panose="02000000000000000000" pitchFamily="2" charset="0"/>
-                            </a:rPr>
-                            <a:t>Bifactor </a:t>
-                          </a:r>
-                          <a:r>
-                            <a:rPr lang="el-GR" sz="3400" b="1" u="sng">
-                              <a:ln>
-                                <a:noFill/>
-                                <a:prstDash val="dash"/>
-                              </a:ln>
-                              <a:solidFill>
-                                <a:schemeClr val="tx1"/>
-                              </a:solidFill>
-                              <a:latin typeface="Roboto" panose="02000000000000000000" pitchFamily="2" charset="0"/>
-                              <a:ea typeface="Roboto" panose="02000000000000000000" pitchFamily="2" charset="0"/>
-                              <a:cs typeface="Roboto" panose="02000000000000000000" pitchFamily="2" charset="0"/>
-                            </a:rPr>
-                            <a:t>λ</a:t>
-                          </a:r>
-                          <a:endParaRPr lang="en-US" sz="3400" b="1" u="sng" dirty="0">
-                            <a:ln>
-                              <a:noFill/>
-                              <a:prstDash val="dash"/>
-                            </a:ln>
-                            <a:solidFill>
-                              <a:schemeClr val="tx1"/>
-                            </a:solidFill>
-                            <a:latin typeface="Roboto Bold" panose="02000000000000000000" pitchFamily="2" charset="0"/>
-                            <a:ea typeface="Roboto Bold" panose="02000000000000000000" pitchFamily="2" charset="0"/>
-                            <a:cs typeface="Roboto Bold" panose="02000000000000000000" pitchFamily="2" charset="0"/>
-                          </a:endParaRPr>
+                          <a:endParaRPr lang="en-US"/>
                         </a:p>
                       </a:txBody>
                       <a:tcPr marL="0" marR="0" marT="0" marB="0" anchor="ctr">
@@ -10874,6 +11011,12 @@
                           <a:noFill/>
                           <a:prstDash val="solid"/>
                         </a:lnBlToTr>
+                        <a:blipFill>
+                          <a:blip r:embed="rId12"/>
+                          <a:stretch>
+                            <a:fillRect l="-181" t="-22581" r="-543" b="-1358065"/>
+                          </a:stretch>
+                        </a:blipFill>
                       </a:tcPr>
                     </a:tc>
                     <a:tc hMerge="1">
@@ -11047,7 +11190,7 @@
                       </a:ext>
                     </a:extLst>
                   </a:tr>
-                  <a:tr h="557975">
+                  <a:tr h="560579">
                     <a:tc>
                       <a:txBody>
                         <a:bodyPr/>
@@ -11260,7 +11403,7 @@
                         <a:blipFill>
                           <a:blip r:embed="rId12"/>
                           <a:stretch>
-                            <a:fillRect l="-252979" t="-119565" r="-1915" b="-1272826"/>
+                            <a:fillRect l="-252979" t="-123913" r="-1915" b="-1272826"/>
                           </a:stretch>
                         </a:blipFill>
                       </a:tcPr>
@@ -11378,7 +11521,7 @@
                               <a:effectLst/>
                               <a:latin typeface="+mn-lt"/>
                             </a:rPr>
-                            <a:t>0.016</a:t>
+                            <a:t>0.093</a:t>
                           </a:r>
                         </a:p>
                       </a:txBody>
@@ -11431,7 +11574,7 @@
                               <a:effectLst/>
                               <a:latin typeface="+mn-lt"/>
                             </a:rPr>
-                            <a:t>0.163</a:t>
+                            <a:t>0.275</a:t>
                           </a:r>
                         </a:p>
                       </a:txBody>
@@ -11484,7 +11627,7 @@
                               <a:effectLst/>
                               <a:latin typeface="+mn-lt"/>
                             </a:rPr>
-                            <a:t>712</a:t>
+                            <a:t>340</a:t>
                           </a:r>
                         </a:p>
                       </a:txBody>
@@ -11609,7 +11752,7 @@
                               <a:effectLst/>
                               <a:latin typeface="+mn-lt"/>
                             </a:rPr>
-                            <a:t>-0.816</a:t>
+                            <a:t>-0.332</a:t>
                           </a:r>
                         </a:p>
                       </a:txBody>
@@ -11662,7 +11805,7 @@
                               <a:effectLst/>
                               <a:latin typeface="+mn-lt"/>
                             </a:rPr>
-                            <a:t>1.756</a:t>
+                            <a:t>1.225</a:t>
                           </a:r>
                         </a:p>
                       </a:txBody>
@@ -11715,7 +11858,7 @@
                               <a:effectLst/>
                               <a:latin typeface="+mn-lt"/>
                             </a:rPr>
-                            <a:t>2252</a:t>
+                            <a:t>1231</a:t>
                           </a:r>
                         </a:p>
                       </a:txBody>
@@ -11851,7 +11994,7 @@
                               <a:effectLst/>
                               <a:latin typeface="+mn-lt"/>
                             </a:rPr>
-                            <a:t>-1.543</a:t>
+                            <a:t>-1.524</a:t>
                           </a:r>
                         </a:p>
                       </a:txBody>
@@ -11898,7 +12041,7 @@
                               <a:effectLst/>
                               <a:latin typeface="+mn-lt"/>
                             </a:rPr>
-                            <a:t>2.421</a:t>
+                            <a:t>2.396</a:t>
                           </a:r>
                         </a:p>
                       </a:txBody>
@@ -11938,14 +12081,14 @@
                         <a:p>
                           <a:pPr algn="ctr" fontAlgn="b"/>
                           <a:r>
-                            <a:rPr lang="en-US" sz="3400" b="0" i="0" u="none" strike="noStrike" dirty="0">
-                              <a:solidFill>
-                                <a:srgbClr val="000000"/>
-                              </a:solidFill>
-                              <a:effectLst/>
-                              <a:latin typeface="+mn-lt"/>
-                            </a:rPr>
-                            <a:t>2847</a:t>
+                            <a:rPr lang="en-US" sz="3400" b="0" i="0" u="none" strike="noStrike">
+                              <a:solidFill>
+                                <a:srgbClr val="000000"/>
+                              </a:solidFill>
+                              <a:effectLst/>
+                              <a:latin typeface="+mn-lt"/>
+                            </a:rPr>
+                            <a:t>2406</a:t>
                           </a:r>
                         </a:p>
                       </a:txBody>
@@ -12066,14 +12209,14 @@
                         <a:p>
                           <a:pPr algn="ctr" fontAlgn="b"/>
                           <a:r>
-                            <a:rPr lang="en-US" sz="3400" b="0" i="0" u="none" strike="noStrike" dirty="0">
-                              <a:solidFill>
-                                <a:srgbClr val="000000"/>
-                              </a:solidFill>
-                              <a:effectLst/>
-                              <a:latin typeface="+mn-lt"/>
-                            </a:rPr>
-                            <a:t>-0.883</a:t>
+                            <a:rPr lang="en-US" sz="3400" b="0" i="0" u="none" strike="noStrike">
+                              <a:solidFill>
+                                <a:srgbClr val="000000"/>
+                              </a:solidFill>
+                              <a:effectLst/>
+                              <a:latin typeface="+mn-lt"/>
+                            </a:rPr>
+                            <a:t>-0.694</a:t>
                           </a:r>
                         </a:p>
                       </a:txBody>
@@ -12107,14 +12250,14 @@
                         <a:p>
                           <a:pPr algn="ctr" fontAlgn="b"/>
                           <a:r>
-                            <a:rPr lang="en-US" sz="3400" b="0" i="0" u="none" strike="noStrike" dirty="0">
-                              <a:solidFill>
-                                <a:srgbClr val="000000"/>
-                              </a:solidFill>
-                              <a:effectLst/>
-                              <a:latin typeface="+mn-lt"/>
-                            </a:rPr>
-                            <a:t>1.753</a:t>
+                            <a:rPr lang="en-US" sz="3400" b="0" i="0" u="none" strike="noStrike">
+                              <a:solidFill>
+                                <a:srgbClr val="000000"/>
+                              </a:solidFill>
+                              <a:effectLst/>
+                              <a:latin typeface="+mn-lt"/>
+                            </a:rPr>
+                            <a:t>1.501</a:t>
                           </a:r>
                         </a:p>
                       </a:txBody>
@@ -12155,7 +12298,7 @@
                               <a:effectLst/>
                               <a:latin typeface="+mn-lt"/>
                             </a:rPr>
-                            <a:t>2572</a:t>
+                            <a:t>2438</a:t>
                           </a:r>
                         </a:p>
                       </a:txBody>
@@ -12270,14 +12413,14 @@
                         <a:p>
                           <a:pPr algn="ctr" fontAlgn="b"/>
                           <a:r>
-                            <a:rPr lang="en-US" sz="3400" b="0" i="0" u="none" strike="noStrike">
-                              <a:solidFill>
-                                <a:srgbClr val="000000"/>
-                              </a:solidFill>
-                              <a:effectLst/>
-                              <a:latin typeface="+mn-lt"/>
-                            </a:rPr>
-                            <a:t>-1.525</a:t>
+                            <a:rPr lang="en-US" sz="3400" b="0" i="0" u="none" strike="noStrike" dirty="0">
+                              <a:solidFill>
+                                <a:srgbClr val="000000"/>
+                              </a:solidFill>
+                              <a:effectLst/>
+                              <a:latin typeface="+mn-lt"/>
+                            </a:rPr>
+                            <a:t>-1.588</a:t>
                           </a:r>
                         </a:p>
                       </a:txBody>
@@ -12311,14 +12454,14 @@
                         <a:p>
                           <a:pPr algn="ctr" fontAlgn="b"/>
                           <a:r>
-                            <a:rPr lang="en-US" sz="3400" b="0" i="0" u="none" strike="noStrike" dirty="0">
-                              <a:solidFill>
-                                <a:srgbClr val="000000"/>
-                              </a:solidFill>
-                              <a:effectLst/>
-                              <a:latin typeface="+mn-lt"/>
-                            </a:rPr>
-                            <a:t>2.422</a:t>
+                            <a:rPr lang="en-US" sz="3400" b="0" i="0" u="none" strike="noStrike">
+                              <a:solidFill>
+                                <a:srgbClr val="000000"/>
+                              </a:solidFill>
+                              <a:effectLst/>
+                              <a:latin typeface="+mn-lt"/>
+                            </a:rPr>
+                            <a:t>2.469</a:t>
                           </a:r>
                         </a:p>
                       </a:txBody>
@@ -12352,14 +12495,14 @@
                         <a:p>
                           <a:pPr algn="ctr" fontAlgn="b"/>
                           <a:r>
-                            <a:rPr lang="en-US" sz="3400" b="0" i="0" u="none" strike="noStrike" dirty="0">
-                              <a:solidFill>
-                                <a:srgbClr val="000000"/>
-                              </a:solidFill>
-                              <a:effectLst/>
-                              <a:latin typeface="+mn-lt"/>
-                            </a:rPr>
-                            <a:t>1881</a:t>
+                            <a:rPr lang="en-US" sz="3400" b="0" i="0" u="none" strike="noStrike">
+                              <a:solidFill>
+                                <a:srgbClr val="000000"/>
+                              </a:solidFill>
+                              <a:effectLst/>
+                              <a:latin typeface="+mn-lt"/>
+                            </a:rPr>
+                            <a:t>1993</a:t>
                           </a:r>
                         </a:p>
                       </a:txBody>
@@ -12477,14 +12620,14 @@
                         <a:p>
                           <a:pPr algn="ctr" fontAlgn="b"/>
                           <a:r>
-                            <a:rPr lang="en-US" sz="3400" b="0" i="0" u="none" strike="noStrike" dirty="0">
-                              <a:solidFill>
-                                <a:srgbClr val="000000"/>
-                              </a:solidFill>
-                              <a:effectLst/>
-                              <a:latin typeface="+mn-lt"/>
-                            </a:rPr>
-                            <a:t>-0.455</a:t>
+                            <a:rPr lang="en-US" sz="3400" b="0" i="0" u="none" strike="noStrike">
+                              <a:solidFill>
+                                <a:srgbClr val="000000"/>
+                              </a:solidFill>
+                              <a:effectLst/>
+                              <a:latin typeface="+mn-lt"/>
+                            </a:rPr>
+                            <a:t>-0.235</a:t>
                           </a:r>
                         </a:p>
                       </a:txBody>
@@ -12518,14 +12661,14 @@
                         <a:p>
                           <a:pPr algn="ctr" fontAlgn="b"/>
                           <a:r>
-                            <a:rPr lang="en-US" sz="3400" b="0" i="0" u="none" strike="noStrike" dirty="0">
-                              <a:solidFill>
-                                <a:srgbClr val="000000"/>
-                              </a:solidFill>
-                              <a:effectLst/>
-                              <a:latin typeface="+mn-lt"/>
-                            </a:rPr>
-                            <a:t>1.212</a:t>
+                            <a:rPr lang="en-US" sz="3400" b="0" i="0" u="none" strike="noStrike">
+                              <a:solidFill>
+                                <a:srgbClr val="000000"/>
+                              </a:solidFill>
+                              <a:effectLst/>
+                              <a:latin typeface="+mn-lt"/>
+                            </a:rPr>
+                            <a:t>0.919</a:t>
                           </a:r>
                         </a:p>
                       </a:txBody>
@@ -12566,7 +12709,7 @@
                               <a:effectLst/>
                               <a:latin typeface="+mn-lt"/>
                             </a:rPr>
-                            <a:t>1929</a:t>
+                            <a:t>1538</a:t>
                           </a:r>
                         </a:p>
                       </a:txBody>
@@ -12681,14 +12824,14 @@
                         <a:p>
                           <a:pPr algn="ctr" fontAlgn="b"/>
                           <a:r>
-                            <a:rPr lang="en-US" sz="3400" b="0" i="0" u="none" strike="noStrike">
-                              <a:solidFill>
-                                <a:srgbClr val="000000"/>
-                              </a:solidFill>
-                              <a:effectLst/>
-                              <a:latin typeface="+mn-lt"/>
-                            </a:rPr>
-                            <a:t>0.021</a:t>
+                            <a:rPr lang="en-US" sz="3400" b="0" i="0" u="none" strike="noStrike" dirty="0">
+                              <a:solidFill>
+                                <a:srgbClr val="000000"/>
+                              </a:solidFill>
+                              <a:effectLst/>
+                              <a:latin typeface="+mn-lt"/>
+                            </a:rPr>
+                            <a:t>0.082</a:t>
                           </a:r>
                         </a:p>
                       </a:txBody>
@@ -12722,14 +12865,14 @@
                         <a:p>
                           <a:pPr algn="ctr" fontAlgn="b"/>
                           <a:r>
-                            <a:rPr lang="en-US" sz="3400" b="0" i="0" u="none" strike="noStrike" dirty="0">
-                              <a:solidFill>
-                                <a:srgbClr val="000000"/>
-                              </a:solidFill>
-                              <a:effectLst/>
-                              <a:latin typeface="+mn-lt"/>
-                            </a:rPr>
-                            <a:t>0.121</a:t>
+                            <a:rPr lang="en-US" sz="3400" b="0" i="0" u="none" strike="noStrike">
+                              <a:solidFill>
+                                <a:srgbClr val="000000"/>
+                              </a:solidFill>
+                              <a:effectLst/>
+                              <a:latin typeface="+mn-lt"/>
+                            </a:rPr>
+                            <a:t>0.271</a:t>
                           </a:r>
                         </a:p>
                       </a:txBody>
@@ -12891,14 +13034,14 @@
                         <a:p>
                           <a:pPr algn="ctr" fontAlgn="b"/>
                           <a:r>
-                            <a:rPr lang="en-US" sz="3400" b="0" i="0" u="none" strike="noStrike" dirty="0">
-                              <a:solidFill>
-                                <a:srgbClr val="000000"/>
-                              </a:solidFill>
-                              <a:effectLst/>
-                              <a:latin typeface="+mn-lt"/>
-                            </a:rPr>
-                            <a:t>-0.021</a:t>
+                            <a:rPr lang="en-US" sz="3400" b="0" i="0" u="none" strike="noStrike">
+                              <a:solidFill>
+                                <a:srgbClr val="000000"/>
+                              </a:solidFill>
+                              <a:effectLst/>
+                              <a:latin typeface="+mn-lt"/>
+                            </a:rPr>
+                            <a:t>-0.221</a:t>
                           </a:r>
                         </a:p>
                       </a:txBody>
@@ -12945,7 +13088,7 @@
                               <a:effectLst/>
                               <a:latin typeface="+mn-lt"/>
                             </a:rPr>
-                            <a:t>0.313</a:t>
+                            <a:t>0.963</a:t>
                           </a:r>
                         </a:p>
                       </a:txBody>
@@ -12992,7 +13135,7 @@
                               <a:effectLst/>
                               <a:latin typeface="+mn-lt"/>
                             </a:rPr>
-                            <a:t>79</a:t>
+                            <a:t>473</a:t>
                           </a:r>
                         </a:p>
                       </a:txBody>
@@ -14066,21 +14209,6 @@
 </file>
 
 <file path=customXml/item1.xml><?xml version="1.0" encoding="utf-8"?>
-<?mso-contentType ?>
-<FormTemplates xmlns="http://schemas.microsoft.com/sharepoint/v3/contenttype/forms">
-  <Display>DocumentLibraryForm</Display>
-  <Edit>DocumentLibraryForm</Edit>
-  <New>DocumentLibraryForm</New>
-</FormTemplates>
-</file>
-
-<file path=customXml/item2.xml><?xml version="1.0" encoding="utf-8"?>
-<p:properties xmlns:p="http://schemas.microsoft.com/office/2006/metadata/properties" xmlns:xsi="http://www.w3.org/2001/XMLSchema-instance" xmlns:pc="http://schemas.microsoft.com/office/infopath/2007/PartnerControls">
-  <documentManagement/>
-</p:properties>
-</file>
-
-<file path=customXml/item3.xml><?xml version="1.0" encoding="utf-8"?>
 <ct:contentTypeSchema xmlns:ct="http://schemas.microsoft.com/office/2006/metadata/contentType" xmlns:ma="http://schemas.microsoft.com/office/2006/metadata/properties/metaAttributes" ct:_="" ma:_="" ma:contentTypeName="Document" ma:contentTypeID="0x010100579CCDD9754E9B40B13882595ECD5F7A" ma:contentTypeVersion="0" ma:contentTypeDescription="Create a new document." ma:contentTypeScope="" ma:versionID="48ffdc5cb6ca8bf97cbe1bd0206e10b7">
   <xsd:schema xmlns:xsd="http://www.w3.org/2001/XMLSchema" xmlns:xs="http://www.w3.org/2001/XMLSchema" xmlns:p="http://schemas.microsoft.com/office/2006/metadata/properties" targetNamespace="http://schemas.microsoft.com/office/2006/metadata/properties" ma:root="true" ma:fieldsID="1b05d82d297216baf5b26c55225140df">
     <xsd:element name="properties">
@@ -14194,30 +14322,22 @@
 </ct:contentTypeSchema>
 </file>
 
-<file path=customXml/itemProps1.xml><?xml version="1.0" encoding="utf-8"?>
-<ds:datastoreItem xmlns:ds="http://schemas.openxmlformats.org/officeDocument/2006/customXml" ds:itemID="{A14B8143-C3D6-460D-830C-A8DBEE85511A}">
-  <ds:schemaRefs>
-    <ds:schemaRef ds:uri="http://schemas.microsoft.com/sharepoint/v3/contenttype/forms"/>
-  </ds:schemaRefs>
-</ds:datastoreItem>
+<file path=customXml/item2.xml><?xml version="1.0" encoding="utf-8"?>
+<p:properties xmlns:p="http://schemas.microsoft.com/office/2006/metadata/properties" xmlns:xsi="http://www.w3.org/2001/XMLSchema-instance" xmlns:pc="http://schemas.microsoft.com/office/infopath/2007/PartnerControls">
+  <documentManagement/>
+</p:properties>
 </file>
 
-<file path=customXml/itemProps2.xml><?xml version="1.0" encoding="utf-8"?>
-<ds:datastoreItem xmlns:ds="http://schemas.openxmlformats.org/officeDocument/2006/customXml" ds:itemID="{097FFD54-27B0-415C-8654-D843242BD071}">
-  <ds:schemaRefs>
-    <ds:schemaRef ds:uri="http://schemas.microsoft.com/office/2006/documentManagement/types"/>
-    <ds:schemaRef ds:uri="http://purl.org/dc/terms/"/>
-    <ds:schemaRef ds:uri="http://schemas.microsoft.com/office/2006/metadata/properties"/>
-    <ds:schemaRef ds:uri="http://purl.org/dc/elements/1.1/"/>
-    <ds:schemaRef ds:uri="http://purl.org/dc/dcmitype/"/>
-    <ds:schemaRef ds:uri="http://schemas.microsoft.com/office/infopath/2007/PartnerControls"/>
-    <ds:schemaRef ds:uri="http://schemas.openxmlformats.org/package/2006/metadata/core-properties"/>
-    <ds:schemaRef ds:uri="http://www.w3.org/XML/1998/namespace"/>
-  </ds:schemaRefs>
-</ds:datastoreItem>
+<file path=customXml/item3.xml><?xml version="1.0" encoding="utf-8"?>
+<?mso-contentType ?>
+<FormTemplates xmlns="http://schemas.microsoft.com/sharepoint/v3/contenttype/forms">
+  <Display>DocumentLibraryForm</Display>
+  <Edit>DocumentLibraryForm</Edit>
+  <New>DocumentLibraryForm</New>
+</FormTemplates>
 </file>
 
-<file path=customXml/itemProps3.xml><?xml version="1.0" encoding="utf-8"?>
+<file path=customXml/itemProps1.xml><?xml version="1.0" encoding="utf-8"?>
 <ds:datastoreItem xmlns:ds="http://schemas.openxmlformats.org/officeDocument/2006/customXml" ds:itemID="{5421B56A-5C82-479A-80D0-662CC28B937B}">
   <ds:schemaRefs>
     <ds:schemaRef ds:uri="http://schemas.microsoft.com/office/2006/metadata/contentType"/>
@@ -14231,4 +14351,27 @@
     <ds:schemaRef ds:uri="http://schemas.microsoft.com/office/infopath/2007/PartnerControls"/>
   </ds:schemaRefs>
 </ds:datastoreItem>
+</file>
+
+<file path=customXml/itemProps2.xml><?xml version="1.0" encoding="utf-8"?>
+<ds:datastoreItem xmlns:ds="http://schemas.openxmlformats.org/officeDocument/2006/customXml" ds:itemID="{097FFD54-27B0-415C-8654-D843242BD071}">
+  <ds:schemaRefs>
+    <ds:schemaRef ds:uri="http://schemas.microsoft.com/office/infopath/2007/PartnerControls"/>
+    <ds:schemaRef ds:uri="http://purl.org/dc/elements/1.1/"/>
+    <ds:schemaRef ds:uri="http://schemas.microsoft.com/office/2006/metadata/properties"/>
+    <ds:schemaRef ds:uri="http://schemas.openxmlformats.org/package/2006/metadata/core-properties"/>
+    <ds:schemaRef ds:uri="http://schemas.microsoft.com/office/2006/documentManagement/types"/>
+    <ds:schemaRef ds:uri="http://purl.org/dc/terms/"/>
+    <ds:schemaRef ds:uri="http://purl.org/dc/dcmitype/"/>
+    <ds:schemaRef ds:uri="http://www.w3.org/XML/1998/namespace"/>
+  </ds:schemaRefs>
+</ds:datastoreItem>
+</file>
+
+<file path=customXml/itemProps3.xml><?xml version="1.0" encoding="utf-8"?>
+<ds:datastoreItem xmlns:ds="http://schemas.openxmlformats.org/officeDocument/2006/customXml" ds:itemID="{A14B8143-C3D6-460D-830C-A8DBEE85511A}">
+  <ds:schemaRefs>
+    <ds:schemaRef ds:uri="http://schemas.microsoft.com/sharepoint/v3/contenttype/forms"/>
+  </ds:schemaRefs>
+</ds:datastoreItem>
 </file>
--- a/SMEP_2024.pptx
+++ b/SMEP_2024.pptx
@@ -2967,7 +2967,7 @@
         </p:blipFill>
         <p:spPr>
           <a:xfrm>
-            <a:off x="10851798" y="18335709"/>
+            <a:off x="10851798" y="18345235"/>
             <a:ext cx="11093802" cy="11093802"/>
           </a:xfrm>
           <a:prstGeom prst="rect">
@@ -3025,7 +3025,7 @@
         </p:blipFill>
         <p:spPr>
           <a:xfrm>
-            <a:off x="21945600" y="6307138"/>
+            <a:off x="21945600" y="6230938"/>
             <a:ext cx="11093802" cy="11093802"/>
           </a:xfrm>
           <a:prstGeom prst="rect">
@@ -3054,7 +3054,7 @@
         </p:blipFill>
         <p:spPr>
           <a:xfrm>
-            <a:off x="10851798" y="6307138"/>
+            <a:off x="10851798" y="6259340"/>
             <a:ext cx="11093802" cy="11093802"/>
           </a:xfrm>
           <a:prstGeom prst="rect">
@@ -3591,8 +3591,8 @@
           </a:prstGeom>
         </p:spPr>
       </p:pic>
-      <mc:AlternateContent xmlns:mc="http://schemas.openxmlformats.org/markup-compatibility/2006">
-        <mc:Choice xmlns:a14="http://schemas.microsoft.com/office/drawing/2010/main" Requires="a14">
+      <mc:AlternateContent xmlns:mc="http://schemas.openxmlformats.org/markup-compatibility/2006" xmlns:a14="http://schemas.microsoft.com/office/drawing/2010/main">
+        <mc:Choice Requires="a14">
           <p:graphicFrame>
             <p:nvGraphicFramePr>
               <p:cNvPr id="46" name="Data Table " descr="This table is a placeholder. Please add your own alt text. ">
@@ -3686,7 +3686,7 @@
                                   <a:solidFill>
                                     <a:schemeClr val="tx1"/>
                                   </a:solidFill>
-                                  <a:latin typeface="+mj-lt"/>
+                                  <a:latin typeface="Cambria Math" panose="02040503050406030204" pitchFamily="18" charset="0"/>
                                   <a:ea typeface="Roboto Bold" panose="02000000000000000000" pitchFamily="2" charset="0"/>
                                   <a:cs typeface="Roboto Bold" panose="02000000000000000000" pitchFamily="2" charset="0"/>
                                 </a:rPr>
@@ -6065,7 +6065,7 @@
             </a:graphic>
           </p:graphicFrame>
         </mc:Choice>
-        <mc:Fallback>
+        <mc:Fallback xmlns="">
           <p:graphicFrame>
             <p:nvGraphicFramePr>
               <p:cNvPr id="46" name="Data Table " descr="This table is a placeholder. Please add your own alt text. ">
@@ -8356,8 +8356,8 @@
           </p:graphicFrame>
         </mc:Fallback>
       </mc:AlternateContent>
-      <mc:AlternateContent xmlns:mc="http://schemas.openxmlformats.org/markup-compatibility/2006">
-        <mc:Choice xmlns:a14="http://schemas.microsoft.com/office/drawing/2010/main" Requires="a14">
+      <mc:AlternateContent xmlns:mc="http://schemas.openxmlformats.org/markup-compatibility/2006" xmlns:a14="http://schemas.microsoft.com/office/drawing/2010/main">
+        <mc:Choice Requires="a14">
           <p:graphicFrame>
             <p:nvGraphicFramePr>
               <p:cNvPr id="49" name="Data Table " descr="This table is a placeholder. Please add your own alt text. ">
@@ -8445,7 +8445,7 @@
                               <m:sSub>
                                 <m:sSubPr>
                                   <m:ctrlPr>
-                                    <a:rPr lang="en-US" sz="3400" b="1" i="0" u="none" smtClean="0">
+                                    <a:rPr lang="en-US" sz="3400" b="1" i="1" u="none" smtClean="0">
                                       <a:ln>
                                         <a:noFill/>
                                         <a:prstDash val="dash"/>
@@ -8524,10 +8524,10 @@
                               <a:ea typeface="Roboto Bold" panose="02000000000000000000" pitchFamily="2" charset="0"/>
                               <a:cs typeface="Roboto Bold" panose="02000000000000000000" pitchFamily="2" charset="0"/>
                             </a:rPr>
-                            <a:t> vs. </a:t>
-                          </a:r>
-                          <a:r>
-                            <a:rPr lang="en-US" sz="3400" b="1" i="0" u="none" baseline="0">
+                            <a:t> vs. EAP</a:t>
+                          </a:r>
+                          <a:r>
+                            <a:rPr lang="en-US" sz="3400" b="1" i="0" u="none" dirty="0">
                               <a:ln>
                                 <a:noFill/>
                                 <a:prstDash val="dash"/>
@@ -8539,35 +8539,8 @@
                               <a:ea typeface="Roboto Bold" panose="02000000000000000000" pitchFamily="2" charset="0"/>
                               <a:cs typeface="Roboto Bold" panose="02000000000000000000" pitchFamily="2" charset="0"/>
                             </a:rPr>
-                            <a:t>EAP</a:t>
-                          </a:r>
-                          <a:r>
-                            <a:rPr lang="en-US" sz="3400" b="1" i="0" u="none">
-                              <a:ln>
-                                <a:noFill/>
-                                <a:prstDash val="dash"/>
-                              </a:ln>
-                              <a:solidFill>
-                                <a:schemeClr val="tx1"/>
-                              </a:solidFill>
-                              <a:latin typeface="Roboto Bold" panose="02000000000000000000"/>
-                              <a:ea typeface="Roboto Bold" panose="02000000000000000000" pitchFamily="2" charset="0"/>
-                              <a:cs typeface="Roboto Bold" panose="02000000000000000000" pitchFamily="2" charset="0"/>
-                            </a:rPr>
                             <a:t>)</a:t>
                           </a:r>
-                          <a:endParaRPr lang="en-US" sz="3400" b="1" i="0" u="none" dirty="0">
-                            <a:ln>
-                              <a:noFill/>
-                              <a:prstDash val="dash"/>
-                            </a:ln>
-                            <a:solidFill>
-                              <a:schemeClr val="tx1"/>
-                            </a:solidFill>
-                            <a:latin typeface="Roboto Bold" panose="02000000000000000000"/>
-                            <a:ea typeface="Roboto Bold" panose="02000000000000000000" pitchFamily="2" charset="0"/>
-                            <a:cs typeface="Roboto Bold" panose="02000000000000000000" pitchFamily="2" charset="0"/>
-                          </a:endParaRPr>
                         </a:p>
                       </a:txBody>
                       <a:tcPr marL="0" marR="0" marT="0" marB="0" anchor="ctr">
@@ -10896,7 +10869,7 @@
             </a:graphic>
           </p:graphicFrame>
         </mc:Choice>
-        <mc:Fallback>
+        <mc:Fallback xmlns="">
           <p:graphicFrame>
             <p:nvGraphicFramePr>
               <p:cNvPr id="49" name="Data Table " descr="This table is a placeholder. Please add your own alt text. ">
@@ -14209,6 +14182,21 @@
 </file>
 
 <file path=customXml/item1.xml><?xml version="1.0" encoding="utf-8"?>
+<?mso-contentType ?>
+<FormTemplates xmlns="http://schemas.microsoft.com/sharepoint/v3/contenttype/forms">
+  <Display>DocumentLibraryForm</Display>
+  <Edit>DocumentLibraryForm</Edit>
+  <New>DocumentLibraryForm</New>
+</FormTemplates>
+</file>
+
+<file path=customXml/item2.xml><?xml version="1.0" encoding="utf-8"?>
+<p:properties xmlns:p="http://schemas.microsoft.com/office/2006/metadata/properties" xmlns:xsi="http://www.w3.org/2001/XMLSchema-instance" xmlns:pc="http://schemas.microsoft.com/office/infopath/2007/PartnerControls">
+  <documentManagement/>
+</p:properties>
+</file>
+
+<file path=customXml/item3.xml><?xml version="1.0" encoding="utf-8"?>
 <ct:contentTypeSchema xmlns:ct="http://schemas.microsoft.com/office/2006/metadata/contentType" xmlns:ma="http://schemas.microsoft.com/office/2006/metadata/properties/metaAttributes" ct:_="" ma:_="" ma:contentTypeName="Document" ma:contentTypeID="0x010100579CCDD9754E9B40B13882595ECD5F7A" ma:contentTypeVersion="0" ma:contentTypeDescription="Create a new document." ma:contentTypeScope="" ma:versionID="48ffdc5cb6ca8bf97cbe1bd0206e10b7">
   <xsd:schema xmlns:xsd="http://www.w3.org/2001/XMLSchema" xmlns:xs="http://www.w3.org/2001/XMLSchema" xmlns:p="http://schemas.microsoft.com/office/2006/metadata/properties" targetNamespace="http://schemas.microsoft.com/office/2006/metadata/properties" ma:root="true" ma:fieldsID="1b05d82d297216baf5b26c55225140df">
     <xsd:element name="properties">
@@ -14322,33 +14310,10 @@
 </ct:contentTypeSchema>
 </file>
 
-<file path=customXml/item2.xml><?xml version="1.0" encoding="utf-8"?>
-<p:properties xmlns:p="http://schemas.microsoft.com/office/2006/metadata/properties" xmlns:xsi="http://www.w3.org/2001/XMLSchema-instance" xmlns:pc="http://schemas.microsoft.com/office/infopath/2007/PartnerControls">
-  <documentManagement/>
-</p:properties>
-</file>
-
-<file path=customXml/item3.xml><?xml version="1.0" encoding="utf-8"?>
-<?mso-contentType ?>
-<FormTemplates xmlns="http://schemas.microsoft.com/sharepoint/v3/contenttype/forms">
-  <Display>DocumentLibraryForm</Display>
-  <Edit>DocumentLibraryForm</Edit>
-  <New>DocumentLibraryForm</New>
-</FormTemplates>
-</file>
-
 <file path=customXml/itemProps1.xml><?xml version="1.0" encoding="utf-8"?>
-<ds:datastoreItem xmlns:ds="http://schemas.openxmlformats.org/officeDocument/2006/customXml" ds:itemID="{5421B56A-5C82-479A-80D0-662CC28B937B}">
+<ds:datastoreItem xmlns:ds="http://schemas.openxmlformats.org/officeDocument/2006/customXml" ds:itemID="{A14B8143-C3D6-460D-830C-A8DBEE85511A}">
   <ds:schemaRefs>
-    <ds:schemaRef ds:uri="http://schemas.microsoft.com/office/2006/metadata/contentType"/>
-    <ds:schemaRef ds:uri="http://schemas.microsoft.com/office/2006/metadata/properties/metaAttributes"/>
-    <ds:schemaRef ds:uri="http://www.w3.org/2001/XMLSchema"/>
-    <ds:schemaRef ds:uri="http://schemas.microsoft.com/office/2006/metadata/properties"/>
-    <ds:schemaRef ds:uri="http://schemas.openxmlformats.org/package/2006/metadata/core-properties"/>
-    <ds:schemaRef ds:uri="http://purl.org/dc/elements/1.1/"/>
-    <ds:schemaRef ds:uri="http://purl.org/dc/terms/"/>
-    <ds:schemaRef ds:uri="http://schemas.microsoft.com/internal/obd"/>
-    <ds:schemaRef ds:uri="http://schemas.microsoft.com/office/infopath/2007/PartnerControls"/>
+    <ds:schemaRef ds:uri="http://schemas.microsoft.com/sharepoint/v3/contenttype/forms"/>
   </ds:schemaRefs>
 </ds:datastoreItem>
 </file>
@@ -14369,9 +14334,17 @@
 </file>
 
 <file path=customXml/itemProps3.xml><?xml version="1.0" encoding="utf-8"?>
-<ds:datastoreItem xmlns:ds="http://schemas.openxmlformats.org/officeDocument/2006/customXml" ds:itemID="{A14B8143-C3D6-460D-830C-A8DBEE85511A}">
+<ds:datastoreItem xmlns:ds="http://schemas.openxmlformats.org/officeDocument/2006/customXml" ds:itemID="{5421B56A-5C82-479A-80D0-662CC28B937B}">
   <ds:schemaRefs>
-    <ds:schemaRef ds:uri="http://schemas.microsoft.com/sharepoint/v3/contenttype/forms"/>
+    <ds:schemaRef ds:uri="http://schemas.microsoft.com/office/2006/metadata/contentType"/>
+    <ds:schemaRef ds:uri="http://schemas.microsoft.com/office/2006/metadata/properties/metaAttributes"/>
+    <ds:schemaRef ds:uri="http://www.w3.org/2001/XMLSchema"/>
+    <ds:schemaRef ds:uri="http://schemas.microsoft.com/office/2006/metadata/properties"/>
+    <ds:schemaRef ds:uri="http://schemas.openxmlformats.org/package/2006/metadata/core-properties"/>
+    <ds:schemaRef ds:uri="http://purl.org/dc/elements/1.1/"/>
+    <ds:schemaRef ds:uri="http://purl.org/dc/terms/"/>
+    <ds:schemaRef ds:uri="http://schemas.microsoft.com/internal/obd"/>
+    <ds:schemaRef ds:uri="http://schemas.microsoft.com/office/infopath/2007/PartnerControls"/>
   </ds:schemaRefs>
 </ds:datastoreItem>
 </file>
--- a/SMEP_2024.pptx
+++ b/SMEP_2024.pptx
@@ -8356,8 +8356,8 @@
           </p:graphicFrame>
         </mc:Fallback>
       </mc:AlternateContent>
-      <mc:AlternateContent xmlns:mc="http://schemas.openxmlformats.org/markup-compatibility/2006" xmlns:a14="http://schemas.microsoft.com/office/drawing/2010/main">
-        <mc:Choice Requires="a14">
+      <mc:AlternateContent xmlns:mc="http://schemas.openxmlformats.org/markup-compatibility/2006">
+        <mc:Choice xmlns:a14="http://schemas.microsoft.com/office/drawing/2010/main" Requires="a14">
           <p:graphicFrame>
             <p:nvGraphicFramePr>
               <p:cNvPr id="49" name="Data Table " descr="This table is a placeholder. Please add your own alt text. ">
@@ -8373,14 +8373,14 @@
               <p:nvPr>
                 <p:extLst>
                   <p:ext uri="{D42A27DB-BD31-4B8C-83A1-F6EECF244321}">
-                    <p14:modId xmlns:p14="http://schemas.microsoft.com/office/powerpoint/2010/main" val="1271827223"/>
+                    <p14:modId xmlns:p14="http://schemas.microsoft.com/office/powerpoint/2010/main" val="1884393347"/>
                   </p:ext>
                 </p:extLst>
               </p:nvPr>
             </p:nvGraphicFramePr>
             <p:xfrm>
               <a:off x="33549793" y="15047020"/>
-              <a:ext cx="10085592" cy="7980873"/>
+              <a:ext cx="10085592" cy="7980746"/>
             </p:xfrm>
             <a:graphic>
               <a:graphicData uri="http://schemas.openxmlformats.org/drawingml/2006/table">
@@ -8478,7 +8478,7 @@
                                 </m:e>
                                 <m:sub>
                                   <m:r>
-                                    <a:rPr lang="en-US" sz="3400" b="1" i="0" u="none" smtClean="0">
+                                    <a:rPr lang="en-US" sz="3400" b="1" i="1" u="none" smtClean="0">
                                       <a:ln>
                                         <a:noFill/>
                                         <a:prstDash val="dash"/>
@@ -8490,7 +8490,7 @@
                                       <a:ea typeface="Roboto Bold" panose="02000000000000000000" pitchFamily="2" charset="0"/>
                                       <a:cs typeface="Roboto Bold" panose="02000000000000000000" pitchFamily="2" charset="0"/>
                                     </a:rPr>
-                                    <m:t>𝐠</m:t>
+                                    <m:t>𝒈</m:t>
                                   </m:r>
                                 </m:sub>
                               </m:sSub>
@@ -10869,7 +10869,7 @@
             </a:graphic>
           </p:graphicFrame>
         </mc:Choice>
-        <mc:Fallback xmlns="">
+        <mc:Fallback>
           <p:graphicFrame>
             <p:nvGraphicFramePr>
               <p:cNvPr id="49" name="Data Table " descr="This table is a placeholder. Please add your own alt text. ">
@@ -10885,14 +10885,14 @@
               <p:nvPr>
                 <p:extLst>
                   <p:ext uri="{D42A27DB-BD31-4B8C-83A1-F6EECF244321}">
-                    <p14:modId xmlns:p14="http://schemas.microsoft.com/office/powerpoint/2010/main" val="1271827223"/>
+                    <p14:modId xmlns:p14="http://schemas.microsoft.com/office/powerpoint/2010/main" val="1884393347"/>
                   </p:ext>
                 </p:extLst>
               </p:nvPr>
             </p:nvGraphicFramePr>
             <p:xfrm>
               <a:off x="33549793" y="15047020"/>
-              <a:ext cx="10085592" cy="7980873"/>
+              <a:ext cx="10085592" cy="7980746"/>
             </p:xfrm>
             <a:graphic>
               <a:graphicData uri="http://schemas.openxmlformats.org/drawingml/2006/table">
@@ -10930,7 +10930,7 @@
                       </a:extLst>
                     </a:gridCol>
                   </a:tblGrid>
-                  <a:tr h="567373">
+                  <a:tr h="567246">
                     <a:tc gridSpan="4">
                       <a:txBody>
                         <a:bodyPr/>
@@ -14182,21 +14182,6 @@
 </file>
 
 <file path=customXml/item1.xml><?xml version="1.0" encoding="utf-8"?>
-<?mso-contentType ?>
-<FormTemplates xmlns="http://schemas.microsoft.com/sharepoint/v3/contenttype/forms">
-  <Display>DocumentLibraryForm</Display>
-  <Edit>DocumentLibraryForm</Edit>
-  <New>DocumentLibraryForm</New>
-</FormTemplates>
-</file>
-
-<file path=customXml/item2.xml><?xml version="1.0" encoding="utf-8"?>
-<p:properties xmlns:p="http://schemas.microsoft.com/office/2006/metadata/properties" xmlns:xsi="http://www.w3.org/2001/XMLSchema-instance" xmlns:pc="http://schemas.microsoft.com/office/infopath/2007/PartnerControls">
-  <documentManagement/>
-</p:properties>
-</file>
-
-<file path=customXml/item3.xml><?xml version="1.0" encoding="utf-8"?>
 <ct:contentTypeSchema xmlns:ct="http://schemas.microsoft.com/office/2006/metadata/contentType" xmlns:ma="http://schemas.microsoft.com/office/2006/metadata/properties/metaAttributes" ct:_="" ma:_="" ma:contentTypeName="Document" ma:contentTypeID="0x010100579CCDD9754E9B40B13882595ECD5F7A" ma:contentTypeVersion="0" ma:contentTypeDescription="Create a new document." ma:contentTypeScope="" ma:versionID="48ffdc5cb6ca8bf97cbe1bd0206e10b7">
   <xsd:schema xmlns:xsd="http://www.w3.org/2001/XMLSchema" xmlns:xs="http://www.w3.org/2001/XMLSchema" xmlns:p="http://schemas.microsoft.com/office/2006/metadata/properties" targetNamespace="http://schemas.microsoft.com/office/2006/metadata/properties" ma:root="true" ma:fieldsID="1b05d82d297216baf5b26c55225140df">
     <xsd:element name="properties">
@@ -14310,10 +14295,33 @@
 </ct:contentTypeSchema>
 </file>
 
+<file path=customXml/item2.xml><?xml version="1.0" encoding="utf-8"?>
+<p:properties xmlns:p="http://schemas.microsoft.com/office/2006/metadata/properties" xmlns:xsi="http://www.w3.org/2001/XMLSchema-instance" xmlns:pc="http://schemas.microsoft.com/office/infopath/2007/PartnerControls">
+  <documentManagement/>
+</p:properties>
+</file>
+
+<file path=customXml/item3.xml><?xml version="1.0" encoding="utf-8"?>
+<?mso-contentType ?>
+<FormTemplates xmlns="http://schemas.microsoft.com/sharepoint/v3/contenttype/forms">
+  <Display>DocumentLibraryForm</Display>
+  <Edit>DocumentLibraryForm</Edit>
+  <New>DocumentLibraryForm</New>
+</FormTemplates>
+</file>
+
 <file path=customXml/itemProps1.xml><?xml version="1.0" encoding="utf-8"?>
-<ds:datastoreItem xmlns:ds="http://schemas.openxmlformats.org/officeDocument/2006/customXml" ds:itemID="{A14B8143-C3D6-460D-830C-A8DBEE85511A}">
+<ds:datastoreItem xmlns:ds="http://schemas.openxmlformats.org/officeDocument/2006/customXml" ds:itemID="{5421B56A-5C82-479A-80D0-662CC28B937B}">
   <ds:schemaRefs>
-    <ds:schemaRef ds:uri="http://schemas.microsoft.com/sharepoint/v3/contenttype/forms"/>
+    <ds:schemaRef ds:uri="http://schemas.microsoft.com/office/2006/metadata/contentType"/>
+    <ds:schemaRef ds:uri="http://schemas.microsoft.com/office/2006/metadata/properties/metaAttributes"/>
+    <ds:schemaRef ds:uri="http://www.w3.org/2001/XMLSchema"/>
+    <ds:schemaRef ds:uri="http://schemas.microsoft.com/office/2006/metadata/properties"/>
+    <ds:schemaRef ds:uri="http://schemas.openxmlformats.org/package/2006/metadata/core-properties"/>
+    <ds:schemaRef ds:uri="http://purl.org/dc/elements/1.1/"/>
+    <ds:schemaRef ds:uri="http://purl.org/dc/terms/"/>
+    <ds:schemaRef ds:uri="http://schemas.microsoft.com/internal/obd"/>
+    <ds:schemaRef ds:uri="http://schemas.microsoft.com/office/infopath/2007/PartnerControls"/>
   </ds:schemaRefs>
 </ds:datastoreItem>
 </file>
@@ -14334,17 +14342,9 @@
 </file>
 
 <file path=customXml/itemProps3.xml><?xml version="1.0" encoding="utf-8"?>
-<ds:datastoreItem xmlns:ds="http://schemas.openxmlformats.org/officeDocument/2006/customXml" ds:itemID="{5421B56A-5C82-479A-80D0-662CC28B937B}">
+<ds:datastoreItem xmlns:ds="http://schemas.openxmlformats.org/officeDocument/2006/customXml" ds:itemID="{A14B8143-C3D6-460D-830C-A8DBEE85511A}">
   <ds:schemaRefs>
-    <ds:schemaRef ds:uri="http://schemas.microsoft.com/office/2006/metadata/contentType"/>
-    <ds:schemaRef ds:uri="http://schemas.microsoft.com/office/2006/metadata/properties/metaAttributes"/>
-    <ds:schemaRef ds:uri="http://www.w3.org/2001/XMLSchema"/>
-    <ds:schemaRef ds:uri="http://schemas.microsoft.com/office/2006/metadata/properties"/>
-    <ds:schemaRef ds:uri="http://schemas.openxmlformats.org/package/2006/metadata/core-properties"/>
-    <ds:schemaRef ds:uri="http://purl.org/dc/elements/1.1/"/>
-    <ds:schemaRef ds:uri="http://purl.org/dc/terms/"/>
-    <ds:schemaRef ds:uri="http://schemas.microsoft.com/internal/obd"/>
-    <ds:schemaRef ds:uri="http://schemas.microsoft.com/office/infopath/2007/PartnerControls"/>
+    <ds:schemaRef ds:uri="http://schemas.microsoft.com/sharepoint/v3/contenttype/forms"/>
   </ds:schemaRefs>
 </ds:datastoreItem>
 </file>